--- a/spark/01-Architecture/00-Architecture.pptx
+++ b/spark/01-Architecture/00-Architecture.pptx
@@ -2,10 +2,14 @@
 <file path=ppt/presentation.xml><?xml version="1.0" encoding="utf-8"?>
 <p:presentation xmlns:a="http://schemas.openxmlformats.org/drawingml/2006/main" xmlns:r="http://schemas.openxmlformats.org/officeDocument/2006/relationships" xmlns:p="http://schemas.openxmlformats.org/presentationml/2006/main" saveSubsetFonts="1" autoCompressPictures="0">
   <p:sldMasterIdLst>
-    <p:sldMasterId id="2147483648" r:id="rId1"/>
+    <p:sldMasterId id="2147483756" r:id="rId1"/>
   </p:sldMasterIdLst>
   <p:sldIdLst>
-    <p:sldId id="256" r:id="rId2"/>
+    <p:sldId id="257" r:id="rId2"/>
+    <p:sldId id="258" r:id="rId3"/>
+    <p:sldId id="259" r:id="rId4"/>
+    <p:sldId id="260" r:id="rId5"/>
+    <p:sldId id="262" r:id="rId6"/>
   </p:sldIdLst>
   <p:sldSz cx="12192000" cy="6858000"/>
   <p:notesSz cx="6858000" cy="9144000"/>
@@ -104,6 +108,11 @@
       </a:defRPr>
     </a:lvl9pPr>
   </p:defaultTextStyle>
+  <p:extLst>
+    <p:ext uri="{EFAFB233-063F-42B5-8137-9DF3F51BA10A}">
+      <p15:sldGuideLst xmlns:p15="http://schemas.microsoft.com/office/powerpoint/2012/main"/>
+    </p:ext>
+  </p:extLst>
 </p:presentation>
 </file>
 
@@ -129,7 +138,7 @@
           <p:cNvPr id="2" name="Title 1">
             <a:extLst>
               <a:ext uri="{FF2B5EF4-FFF2-40B4-BE49-F238E27FC236}">
-                <a16:creationId xmlns:a16="http://schemas.microsoft.com/office/drawing/2014/main" id="{9F247348-C741-0740-9327-B974DA645A05}"/>
+                <a16:creationId xmlns:a16="http://schemas.microsoft.com/office/drawing/2014/main" id="{935EEAEA-9BA7-094E-B81F-E5CDA1FE97AC}"/>
               </a:ext>
             </a:extLst>
           </p:cNvPr>
@@ -166,7 +175,7 @@
           <p:cNvPr id="3" name="Subtitle 2">
             <a:extLst>
               <a:ext uri="{FF2B5EF4-FFF2-40B4-BE49-F238E27FC236}">
-                <a16:creationId xmlns:a16="http://schemas.microsoft.com/office/drawing/2014/main" id="{1784209A-1134-3E43-B603-17754AD8FE83}"/>
+                <a16:creationId xmlns:a16="http://schemas.microsoft.com/office/drawing/2014/main" id="{0A839033-ECF6-224D-ADAE-3DC588D997F3}"/>
               </a:ext>
             </a:extLst>
           </p:cNvPr>
@@ -236,7 +245,7 @@
           <p:cNvPr id="4" name="Date Placeholder 3">
             <a:extLst>
               <a:ext uri="{FF2B5EF4-FFF2-40B4-BE49-F238E27FC236}">
-                <a16:creationId xmlns:a16="http://schemas.microsoft.com/office/drawing/2014/main" id="{FCB6AA8B-ED7F-1A4B-BD86-E6BFED16D472}"/>
+                <a16:creationId xmlns:a16="http://schemas.microsoft.com/office/drawing/2014/main" id="{FC720053-B5E6-6944-A8B2-5B28AF05A0A8}"/>
               </a:ext>
             </a:extLst>
           </p:cNvPr>
@@ -254,7 +263,7 @@
           <a:p>
             <a:fld id="{BC44D6E1-B5F5-8747-89D3-FC7E497D09FA}" type="datetimeFigureOut">
               <a:rPr lang="en-US" smtClean="0"/>
-              <a:t>12/28/18</a:t>
+              <a:t>1/25/19</a:t>
             </a:fld>
             <a:endParaRPr lang="en-US"/>
           </a:p>
@@ -265,7 +274,7 @@
           <p:cNvPr id="5" name="Footer Placeholder 4">
             <a:extLst>
               <a:ext uri="{FF2B5EF4-FFF2-40B4-BE49-F238E27FC236}">
-                <a16:creationId xmlns:a16="http://schemas.microsoft.com/office/drawing/2014/main" id="{9DEDE682-8B8B-FA43-9464-DAC6FF57724F}"/>
+                <a16:creationId xmlns:a16="http://schemas.microsoft.com/office/drawing/2014/main" id="{112320CC-3F7A-D84C-969B-BDBE9D3E89CA}"/>
               </a:ext>
             </a:extLst>
           </p:cNvPr>
@@ -290,7 +299,7 @@
           <p:cNvPr id="6" name="Slide Number Placeholder 5">
             <a:extLst>
               <a:ext uri="{FF2B5EF4-FFF2-40B4-BE49-F238E27FC236}">
-                <a16:creationId xmlns:a16="http://schemas.microsoft.com/office/drawing/2014/main" id="{7634ACCB-C57F-2948-BC6E-0551217518F8}"/>
+                <a16:creationId xmlns:a16="http://schemas.microsoft.com/office/drawing/2014/main" id="{1599C3C9-651A-C644-B6B0-7D14E14A5700}"/>
               </a:ext>
             </a:extLst>
           </p:cNvPr>
@@ -317,7 +326,7 @@
     </p:spTree>
     <p:extLst>
       <p:ext uri="{BB962C8B-B14F-4D97-AF65-F5344CB8AC3E}">
-        <p14:creationId xmlns:p14="http://schemas.microsoft.com/office/powerpoint/2010/main" val="1124437574"/>
+        <p14:creationId xmlns:p14="http://schemas.microsoft.com/office/powerpoint/2010/main" val="3423297112"/>
       </p:ext>
     </p:extLst>
   </p:cSld>
@@ -349,7 +358,7 @@
           <p:cNvPr id="2" name="Title 1">
             <a:extLst>
               <a:ext uri="{FF2B5EF4-FFF2-40B4-BE49-F238E27FC236}">
-                <a16:creationId xmlns:a16="http://schemas.microsoft.com/office/drawing/2014/main" id="{286D68CA-C2D5-7C45-ADBA-344B761781B2}"/>
+                <a16:creationId xmlns:a16="http://schemas.microsoft.com/office/drawing/2014/main" id="{A00CE48C-9B2C-F443-AD14-D5FC74E8711B}"/>
               </a:ext>
             </a:extLst>
           </p:cNvPr>
@@ -377,7 +386,7 @@
           <p:cNvPr id="3" name="Vertical Text Placeholder 2">
             <a:extLst>
               <a:ext uri="{FF2B5EF4-FFF2-40B4-BE49-F238E27FC236}">
-                <a16:creationId xmlns:a16="http://schemas.microsoft.com/office/drawing/2014/main" id="{D0149678-F0F0-2847-B2D8-FFCA2D8BFC63}"/>
+                <a16:creationId xmlns:a16="http://schemas.microsoft.com/office/drawing/2014/main" id="{06D830FE-E2F9-1F42-8D45-54C0F2E45DAA}"/>
               </a:ext>
             </a:extLst>
           </p:cNvPr>
@@ -434,7 +443,7 @@
           <p:cNvPr id="4" name="Date Placeholder 3">
             <a:extLst>
               <a:ext uri="{FF2B5EF4-FFF2-40B4-BE49-F238E27FC236}">
-                <a16:creationId xmlns:a16="http://schemas.microsoft.com/office/drawing/2014/main" id="{D515CBD9-1AD7-2C4B-B9C3-5E2CE8C28311}"/>
+                <a16:creationId xmlns:a16="http://schemas.microsoft.com/office/drawing/2014/main" id="{F82D7791-3C12-F047-B017-876808F4B637}"/>
               </a:ext>
             </a:extLst>
           </p:cNvPr>
@@ -452,7 +461,7 @@
           <a:p>
             <a:fld id="{BC44D6E1-B5F5-8747-89D3-FC7E497D09FA}" type="datetimeFigureOut">
               <a:rPr lang="en-US" smtClean="0"/>
-              <a:t>12/28/18</a:t>
+              <a:t>1/25/19</a:t>
             </a:fld>
             <a:endParaRPr lang="en-US"/>
           </a:p>
@@ -463,7 +472,7 @@
           <p:cNvPr id="5" name="Footer Placeholder 4">
             <a:extLst>
               <a:ext uri="{FF2B5EF4-FFF2-40B4-BE49-F238E27FC236}">
-                <a16:creationId xmlns:a16="http://schemas.microsoft.com/office/drawing/2014/main" id="{8795930A-5940-F543-A6D7-9CF2B105FA98}"/>
+                <a16:creationId xmlns:a16="http://schemas.microsoft.com/office/drawing/2014/main" id="{ECE2B4C6-AF00-0D45-BD74-ACB8B93BD1D6}"/>
               </a:ext>
             </a:extLst>
           </p:cNvPr>
@@ -488,7 +497,7 @@
           <p:cNvPr id="6" name="Slide Number Placeholder 5">
             <a:extLst>
               <a:ext uri="{FF2B5EF4-FFF2-40B4-BE49-F238E27FC236}">
-                <a16:creationId xmlns:a16="http://schemas.microsoft.com/office/drawing/2014/main" id="{73B19055-A15D-BB49-8057-10DCB2BC9A10}"/>
+                <a16:creationId xmlns:a16="http://schemas.microsoft.com/office/drawing/2014/main" id="{ACDAAD2C-0D2D-A94F-B517-9E92FD3E20C1}"/>
               </a:ext>
             </a:extLst>
           </p:cNvPr>
@@ -515,7 +524,7 @@
     </p:spTree>
     <p:extLst>
       <p:ext uri="{BB962C8B-B14F-4D97-AF65-F5344CB8AC3E}">
-        <p14:creationId xmlns:p14="http://schemas.microsoft.com/office/powerpoint/2010/main" val="846054127"/>
+        <p14:creationId xmlns:p14="http://schemas.microsoft.com/office/powerpoint/2010/main" val="2377394574"/>
       </p:ext>
     </p:extLst>
   </p:cSld>
@@ -547,7 +556,7 @@
           <p:cNvPr id="2" name="Vertical Title 1">
             <a:extLst>
               <a:ext uri="{FF2B5EF4-FFF2-40B4-BE49-F238E27FC236}">
-                <a16:creationId xmlns:a16="http://schemas.microsoft.com/office/drawing/2014/main" id="{98A66996-4D01-234E-B63C-A9328BC001FB}"/>
+                <a16:creationId xmlns:a16="http://schemas.microsoft.com/office/drawing/2014/main" id="{609D971F-CD47-014C-AD91-283DBE6D3D34}"/>
               </a:ext>
             </a:extLst>
           </p:cNvPr>
@@ -580,7 +589,7 @@
           <p:cNvPr id="3" name="Vertical Text Placeholder 2">
             <a:extLst>
               <a:ext uri="{FF2B5EF4-FFF2-40B4-BE49-F238E27FC236}">
-                <a16:creationId xmlns:a16="http://schemas.microsoft.com/office/drawing/2014/main" id="{4C296DE0-6D40-744B-B4AA-ADBDEBA5C3E0}"/>
+                <a16:creationId xmlns:a16="http://schemas.microsoft.com/office/drawing/2014/main" id="{F7310D9D-2D10-D94F-8DEC-7AF35D9564EB}"/>
               </a:ext>
             </a:extLst>
           </p:cNvPr>
@@ -642,7 +651,7 @@
           <p:cNvPr id="4" name="Date Placeholder 3">
             <a:extLst>
               <a:ext uri="{FF2B5EF4-FFF2-40B4-BE49-F238E27FC236}">
-                <a16:creationId xmlns:a16="http://schemas.microsoft.com/office/drawing/2014/main" id="{CFFE5EE7-02D0-754A-9048-56110579B7EF}"/>
+                <a16:creationId xmlns:a16="http://schemas.microsoft.com/office/drawing/2014/main" id="{9B07811B-ABCB-6147-BD15-9C71218167CE}"/>
               </a:ext>
             </a:extLst>
           </p:cNvPr>
@@ -660,7 +669,7 @@
           <a:p>
             <a:fld id="{BC44D6E1-B5F5-8747-89D3-FC7E497D09FA}" type="datetimeFigureOut">
               <a:rPr lang="en-US" smtClean="0"/>
-              <a:t>12/28/18</a:t>
+              <a:t>1/25/19</a:t>
             </a:fld>
             <a:endParaRPr lang="en-US"/>
           </a:p>
@@ -671,7 +680,7 @@
           <p:cNvPr id="5" name="Footer Placeholder 4">
             <a:extLst>
               <a:ext uri="{FF2B5EF4-FFF2-40B4-BE49-F238E27FC236}">
-                <a16:creationId xmlns:a16="http://schemas.microsoft.com/office/drawing/2014/main" id="{E11CE894-6778-D145-B1F1-42623542D229}"/>
+                <a16:creationId xmlns:a16="http://schemas.microsoft.com/office/drawing/2014/main" id="{66EAB028-C75B-1A45-AC9D-FF873583F68A}"/>
               </a:ext>
             </a:extLst>
           </p:cNvPr>
@@ -696,7 +705,7 @@
           <p:cNvPr id="6" name="Slide Number Placeholder 5">
             <a:extLst>
               <a:ext uri="{FF2B5EF4-FFF2-40B4-BE49-F238E27FC236}">
-                <a16:creationId xmlns:a16="http://schemas.microsoft.com/office/drawing/2014/main" id="{C2764F4F-F6A6-4944-8259-BA7DC53AD244}"/>
+                <a16:creationId xmlns:a16="http://schemas.microsoft.com/office/drawing/2014/main" id="{A17A9D9B-15A6-A94F-82BC-BD67A3D60E51}"/>
               </a:ext>
             </a:extLst>
           </p:cNvPr>
@@ -723,7 +732,7 @@
     </p:spTree>
     <p:extLst>
       <p:ext uri="{BB962C8B-B14F-4D97-AF65-F5344CB8AC3E}">
-        <p14:creationId xmlns:p14="http://schemas.microsoft.com/office/powerpoint/2010/main" val="3410317033"/>
+        <p14:creationId xmlns:p14="http://schemas.microsoft.com/office/powerpoint/2010/main" val="2946635549"/>
       </p:ext>
     </p:extLst>
   </p:cSld>
@@ -755,7 +764,7 @@
           <p:cNvPr id="2" name="Title 1">
             <a:extLst>
               <a:ext uri="{FF2B5EF4-FFF2-40B4-BE49-F238E27FC236}">
-                <a16:creationId xmlns:a16="http://schemas.microsoft.com/office/drawing/2014/main" id="{75460AFA-A8E3-AD47-B054-97E17E1581CE}"/>
+                <a16:creationId xmlns:a16="http://schemas.microsoft.com/office/drawing/2014/main" id="{038C1699-579F-764D-805D-A85D8C8DD2A8}"/>
               </a:ext>
             </a:extLst>
           </p:cNvPr>
@@ -783,7 +792,7 @@
           <p:cNvPr id="3" name="Content Placeholder 2">
             <a:extLst>
               <a:ext uri="{FF2B5EF4-FFF2-40B4-BE49-F238E27FC236}">
-                <a16:creationId xmlns:a16="http://schemas.microsoft.com/office/drawing/2014/main" id="{4B51C4D8-CF21-7642-A185-083516AD7580}"/>
+                <a16:creationId xmlns:a16="http://schemas.microsoft.com/office/drawing/2014/main" id="{E88710B2-35E4-354E-9F1F-8574F688EFEF}"/>
               </a:ext>
             </a:extLst>
           </p:cNvPr>
@@ -840,7 +849,7 @@
           <p:cNvPr id="4" name="Date Placeholder 3">
             <a:extLst>
               <a:ext uri="{FF2B5EF4-FFF2-40B4-BE49-F238E27FC236}">
-                <a16:creationId xmlns:a16="http://schemas.microsoft.com/office/drawing/2014/main" id="{A725157C-5195-264F-819B-52A5FD530676}"/>
+                <a16:creationId xmlns:a16="http://schemas.microsoft.com/office/drawing/2014/main" id="{7106179A-6814-FF4A-BCE6-DF86D7AF5284}"/>
               </a:ext>
             </a:extLst>
           </p:cNvPr>
@@ -858,7 +867,7 @@
           <a:p>
             <a:fld id="{BC44D6E1-B5F5-8747-89D3-FC7E497D09FA}" type="datetimeFigureOut">
               <a:rPr lang="en-US" smtClean="0"/>
-              <a:t>12/28/18</a:t>
+              <a:t>1/25/19</a:t>
             </a:fld>
             <a:endParaRPr lang="en-US"/>
           </a:p>
@@ -869,7 +878,7 @@
           <p:cNvPr id="5" name="Footer Placeholder 4">
             <a:extLst>
               <a:ext uri="{FF2B5EF4-FFF2-40B4-BE49-F238E27FC236}">
-                <a16:creationId xmlns:a16="http://schemas.microsoft.com/office/drawing/2014/main" id="{98AD550B-E314-0741-B11C-589258DCB24A}"/>
+                <a16:creationId xmlns:a16="http://schemas.microsoft.com/office/drawing/2014/main" id="{5E80DD58-A8B5-B043-80B4-7448E2E381AB}"/>
               </a:ext>
             </a:extLst>
           </p:cNvPr>
@@ -894,7 +903,7 @@
           <p:cNvPr id="6" name="Slide Number Placeholder 5">
             <a:extLst>
               <a:ext uri="{FF2B5EF4-FFF2-40B4-BE49-F238E27FC236}">
-                <a16:creationId xmlns:a16="http://schemas.microsoft.com/office/drawing/2014/main" id="{1574F539-FF0E-8C43-9FFE-B9D05857CC55}"/>
+                <a16:creationId xmlns:a16="http://schemas.microsoft.com/office/drawing/2014/main" id="{16FD3FC6-2358-B44C-A14A-5F8E8E585BE7}"/>
               </a:ext>
             </a:extLst>
           </p:cNvPr>
@@ -921,7 +930,7 @@
     </p:spTree>
     <p:extLst>
       <p:ext uri="{BB962C8B-B14F-4D97-AF65-F5344CB8AC3E}">
-        <p14:creationId xmlns:p14="http://schemas.microsoft.com/office/powerpoint/2010/main" val="3885226595"/>
+        <p14:creationId xmlns:p14="http://schemas.microsoft.com/office/powerpoint/2010/main" val="1384289199"/>
       </p:ext>
     </p:extLst>
   </p:cSld>
@@ -953,7 +962,7 @@
           <p:cNvPr id="2" name="Title 1">
             <a:extLst>
               <a:ext uri="{FF2B5EF4-FFF2-40B4-BE49-F238E27FC236}">
-                <a16:creationId xmlns:a16="http://schemas.microsoft.com/office/drawing/2014/main" id="{0BDB5A3D-7CC0-0442-9F01-5000AABCA808}"/>
+                <a16:creationId xmlns:a16="http://schemas.microsoft.com/office/drawing/2014/main" id="{6D55E343-A5C1-5D4C-B249-20F6D951A15D}"/>
               </a:ext>
             </a:extLst>
           </p:cNvPr>
@@ -990,7 +999,7 @@
           <p:cNvPr id="3" name="Text Placeholder 2">
             <a:extLst>
               <a:ext uri="{FF2B5EF4-FFF2-40B4-BE49-F238E27FC236}">
-                <a16:creationId xmlns:a16="http://schemas.microsoft.com/office/drawing/2014/main" id="{67813053-147B-564E-9F47-09D11623A2C5}"/>
+                <a16:creationId xmlns:a16="http://schemas.microsoft.com/office/drawing/2014/main" id="{EC9ED2EC-EDCD-274F-B828-0B0650FB6ACE}"/>
               </a:ext>
             </a:extLst>
           </p:cNvPr>
@@ -1115,7 +1124,7 @@
           <p:cNvPr id="4" name="Date Placeholder 3">
             <a:extLst>
               <a:ext uri="{FF2B5EF4-FFF2-40B4-BE49-F238E27FC236}">
-                <a16:creationId xmlns:a16="http://schemas.microsoft.com/office/drawing/2014/main" id="{CDC99240-9366-7C4F-A8C7-33F4AA09DB01}"/>
+                <a16:creationId xmlns:a16="http://schemas.microsoft.com/office/drawing/2014/main" id="{20B4743D-CF38-9749-B5C6-A3223E7A5819}"/>
               </a:ext>
             </a:extLst>
           </p:cNvPr>
@@ -1133,7 +1142,7 @@
           <a:p>
             <a:fld id="{BC44D6E1-B5F5-8747-89D3-FC7E497D09FA}" type="datetimeFigureOut">
               <a:rPr lang="en-US" smtClean="0"/>
-              <a:t>12/28/18</a:t>
+              <a:t>1/25/19</a:t>
             </a:fld>
             <a:endParaRPr lang="en-US"/>
           </a:p>
@@ -1144,7 +1153,7 @@
           <p:cNvPr id="5" name="Footer Placeholder 4">
             <a:extLst>
               <a:ext uri="{FF2B5EF4-FFF2-40B4-BE49-F238E27FC236}">
-                <a16:creationId xmlns:a16="http://schemas.microsoft.com/office/drawing/2014/main" id="{95C9CF97-D7F6-2F48-93CF-FF2C77722F34}"/>
+                <a16:creationId xmlns:a16="http://schemas.microsoft.com/office/drawing/2014/main" id="{A121425F-76CD-6145-B710-B26781710B28}"/>
               </a:ext>
             </a:extLst>
           </p:cNvPr>
@@ -1169,7 +1178,7 @@
           <p:cNvPr id="6" name="Slide Number Placeholder 5">
             <a:extLst>
               <a:ext uri="{FF2B5EF4-FFF2-40B4-BE49-F238E27FC236}">
-                <a16:creationId xmlns:a16="http://schemas.microsoft.com/office/drawing/2014/main" id="{745FDEB3-B611-D94B-812D-D6374DF59F72}"/>
+                <a16:creationId xmlns:a16="http://schemas.microsoft.com/office/drawing/2014/main" id="{0AF63121-7DDD-3640-A4FF-259D2054A9F9}"/>
               </a:ext>
             </a:extLst>
           </p:cNvPr>
@@ -1196,7 +1205,7 @@
     </p:spTree>
     <p:extLst>
       <p:ext uri="{BB962C8B-B14F-4D97-AF65-F5344CB8AC3E}">
-        <p14:creationId xmlns:p14="http://schemas.microsoft.com/office/powerpoint/2010/main" val="2696608492"/>
+        <p14:creationId xmlns:p14="http://schemas.microsoft.com/office/powerpoint/2010/main" val="651137412"/>
       </p:ext>
     </p:extLst>
   </p:cSld>
@@ -1228,7 +1237,7 @@
           <p:cNvPr id="2" name="Title 1">
             <a:extLst>
               <a:ext uri="{FF2B5EF4-FFF2-40B4-BE49-F238E27FC236}">
-                <a16:creationId xmlns:a16="http://schemas.microsoft.com/office/drawing/2014/main" id="{382C8F84-7BAE-0C4F-BB2F-7229AD3E1E11}"/>
+                <a16:creationId xmlns:a16="http://schemas.microsoft.com/office/drawing/2014/main" id="{1BD49A68-C340-8748-A529-147F9C47C1B4}"/>
               </a:ext>
             </a:extLst>
           </p:cNvPr>
@@ -1256,7 +1265,7 @@
           <p:cNvPr id="3" name="Content Placeholder 2">
             <a:extLst>
               <a:ext uri="{FF2B5EF4-FFF2-40B4-BE49-F238E27FC236}">
-                <a16:creationId xmlns:a16="http://schemas.microsoft.com/office/drawing/2014/main" id="{AAEE38C0-3152-BA4A-AFA8-5622069D1C92}"/>
+                <a16:creationId xmlns:a16="http://schemas.microsoft.com/office/drawing/2014/main" id="{B0FFB9F4-2EB9-8E40-A2D0-A22D5266CA02}"/>
               </a:ext>
             </a:extLst>
           </p:cNvPr>
@@ -1318,7 +1327,7 @@
           <p:cNvPr id="4" name="Content Placeholder 3">
             <a:extLst>
               <a:ext uri="{FF2B5EF4-FFF2-40B4-BE49-F238E27FC236}">
-                <a16:creationId xmlns:a16="http://schemas.microsoft.com/office/drawing/2014/main" id="{DE5F4854-E303-0A41-AF20-A29D3DC481A3}"/>
+                <a16:creationId xmlns:a16="http://schemas.microsoft.com/office/drawing/2014/main" id="{2E8FA030-483E-1D4D-A798-0882A50D5B78}"/>
               </a:ext>
             </a:extLst>
           </p:cNvPr>
@@ -1380,7 +1389,7 @@
           <p:cNvPr id="5" name="Date Placeholder 4">
             <a:extLst>
               <a:ext uri="{FF2B5EF4-FFF2-40B4-BE49-F238E27FC236}">
-                <a16:creationId xmlns:a16="http://schemas.microsoft.com/office/drawing/2014/main" id="{0F9A636B-49EC-2740-8A7D-85C817910339}"/>
+                <a16:creationId xmlns:a16="http://schemas.microsoft.com/office/drawing/2014/main" id="{E21E3F96-086E-1547-87F0-E99E5D3AC38B}"/>
               </a:ext>
             </a:extLst>
           </p:cNvPr>
@@ -1398,7 +1407,7 @@
           <a:p>
             <a:fld id="{BC44D6E1-B5F5-8747-89D3-FC7E497D09FA}" type="datetimeFigureOut">
               <a:rPr lang="en-US" smtClean="0"/>
-              <a:t>12/28/18</a:t>
+              <a:t>1/25/19</a:t>
             </a:fld>
             <a:endParaRPr lang="en-US"/>
           </a:p>
@@ -1409,7 +1418,7 @@
           <p:cNvPr id="6" name="Footer Placeholder 5">
             <a:extLst>
               <a:ext uri="{FF2B5EF4-FFF2-40B4-BE49-F238E27FC236}">
-                <a16:creationId xmlns:a16="http://schemas.microsoft.com/office/drawing/2014/main" id="{DBFA666A-6A85-D44D-883C-99B1E110FE98}"/>
+                <a16:creationId xmlns:a16="http://schemas.microsoft.com/office/drawing/2014/main" id="{18752BCE-0D8B-F34A-B08C-2F551C8D6F37}"/>
               </a:ext>
             </a:extLst>
           </p:cNvPr>
@@ -1434,7 +1443,7 @@
           <p:cNvPr id="7" name="Slide Number Placeholder 6">
             <a:extLst>
               <a:ext uri="{FF2B5EF4-FFF2-40B4-BE49-F238E27FC236}">
-                <a16:creationId xmlns:a16="http://schemas.microsoft.com/office/drawing/2014/main" id="{439B0D42-6A4B-C040-8FEA-D691533CF824}"/>
+                <a16:creationId xmlns:a16="http://schemas.microsoft.com/office/drawing/2014/main" id="{D4C65D42-4D4A-B940-806B-9550BDB3B356}"/>
               </a:ext>
             </a:extLst>
           </p:cNvPr>
@@ -1461,7 +1470,7 @@
     </p:spTree>
     <p:extLst>
       <p:ext uri="{BB962C8B-B14F-4D97-AF65-F5344CB8AC3E}">
-        <p14:creationId xmlns:p14="http://schemas.microsoft.com/office/powerpoint/2010/main" val="2662169529"/>
+        <p14:creationId xmlns:p14="http://schemas.microsoft.com/office/powerpoint/2010/main" val="4229725185"/>
       </p:ext>
     </p:extLst>
   </p:cSld>
@@ -1493,7 +1502,7 @@
           <p:cNvPr id="2" name="Title 1">
             <a:extLst>
               <a:ext uri="{FF2B5EF4-FFF2-40B4-BE49-F238E27FC236}">
-                <a16:creationId xmlns:a16="http://schemas.microsoft.com/office/drawing/2014/main" id="{C3DC64F6-4EF4-204E-BE6F-722ADBDFADAD}"/>
+                <a16:creationId xmlns:a16="http://schemas.microsoft.com/office/drawing/2014/main" id="{62EE245C-3998-5F41-A498-F9908E20B045}"/>
               </a:ext>
             </a:extLst>
           </p:cNvPr>
@@ -1526,7 +1535,7 @@
           <p:cNvPr id="3" name="Text Placeholder 2">
             <a:extLst>
               <a:ext uri="{FF2B5EF4-FFF2-40B4-BE49-F238E27FC236}">
-                <a16:creationId xmlns:a16="http://schemas.microsoft.com/office/drawing/2014/main" id="{6B40A132-F1A8-B348-9E20-FA2264ADD402}"/>
+                <a16:creationId xmlns:a16="http://schemas.microsoft.com/office/drawing/2014/main" id="{B8C01EFA-16DF-3746-92DC-F72C72B92636}"/>
               </a:ext>
             </a:extLst>
           </p:cNvPr>
@@ -1597,7 +1606,7 @@
           <p:cNvPr id="4" name="Content Placeholder 3">
             <a:extLst>
               <a:ext uri="{FF2B5EF4-FFF2-40B4-BE49-F238E27FC236}">
-                <a16:creationId xmlns:a16="http://schemas.microsoft.com/office/drawing/2014/main" id="{522CED81-B3D2-014A-ADB9-EC0B7CF44135}"/>
+                <a16:creationId xmlns:a16="http://schemas.microsoft.com/office/drawing/2014/main" id="{3B6CC692-CDD9-0D43-AFE2-C40397C91524}"/>
               </a:ext>
             </a:extLst>
           </p:cNvPr>
@@ -1659,7 +1668,7 @@
           <p:cNvPr id="5" name="Text Placeholder 4">
             <a:extLst>
               <a:ext uri="{FF2B5EF4-FFF2-40B4-BE49-F238E27FC236}">
-                <a16:creationId xmlns:a16="http://schemas.microsoft.com/office/drawing/2014/main" id="{1D729177-DE96-C643-AED9-95CFF3260358}"/>
+                <a16:creationId xmlns:a16="http://schemas.microsoft.com/office/drawing/2014/main" id="{8722C4FD-35D3-C943-BE19-4511894D228B}"/>
               </a:ext>
             </a:extLst>
           </p:cNvPr>
@@ -1730,7 +1739,7 @@
           <p:cNvPr id="6" name="Content Placeholder 5">
             <a:extLst>
               <a:ext uri="{FF2B5EF4-FFF2-40B4-BE49-F238E27FC236}">
-                <a16:creationId xmlns:a16="http://schemas.microsoft.com/office/drawing/2014/main" id="{A9812DAD-9D34-D941-8915-2660AB96563B}"/>
+                <a16:creationId xmlns:a16="http://schemas.microsoft.com/office/drawing/2014/main" id="{EB5F942E-AB5E-5742-9290-CC25B4C55061}"/>
               </a:ext>
             </a:extLst>
           </p:cNvPr>
@@ -1792,7 +1801,7 @@
           <p:cNvPr id="7" name="Date Placeholder 6">
             <a:extLst>
               <a:ext uri="{FF2B5EF4-FFF2-40B4-BE49-F238E27FC236}">
-                <a16:creationId xmlns:a16="http://schemas.microsoft.com/office/drawing/2014/main" id="{E1D644BA-4588-BD4A-982D-3178542B9462}"/>
+                <a16:creationId xmlns:a16="http://schemas.microsoft.com/office/drawing/2014/main" id="{CD5BAAFC-44AB-104C-A367-E4DC57B6AE54}"/>
               </a:ext>
             </a:extLst>
           </p:cNvPr>
@@ -1810,7 +1819,7 @@
           <a:p>
             <a:fld id="{BC44D6E1-B5F5-8747-89D3-FC7E497D09FA}" type="datetimeFigureOut">
               <a:rPr lang="en-US" smtClean="0"/>
-              <a:t>12/28/18</a:t>
+              <a:t>1/25/19</a:t>
             </a:fld>
             <a:endParaRPr lang="en-US"/>
           </a:p>
@@ -1821,7 +1830,7 @@
           <p:cNvPr id="8" name="Footer Placeholder 7">
             <a:extLst>
               <a:ext uri="{FF2B5EF4-FFF2-40B4-BE49-F238E27FC236}">
-                <a16:creationId xmlns:a16="http://schemas.microsoft.com/office/drawing/2014/main" id="{F5A3AACD-AB26-8A45-82A4-060533BF07C9}"/>
+                <a16:creationId xmlns:a16="http://schemas.microsoft.com/office/drawing/2014/main" id="{E2F8F933-306D-414E-8B5A-D08147428665}"/>
               </a:ext>
             </a:extLst>
           </p:cNvPr>
@@ -1846,7 +1855,7 @@
           <p:cNvPr id="9" name="Slide Number Placeholder 8">
             <a:extLst>
               <a:ext uri="{FF2B5EF4-FFF2-40B4-BE49-F238E27FC236}">
-                <a16:creationId xmlns:a16="http://schemas.microsoft.com/office/drawing/2014/main" id="{A82892B4-7A57-8845-853B-B191D59985D2}"/>
+                <a16:creationId xmlns:a16="http://schemas.microsoft.com/office/drawing/2014/main" id="{1613E3B7-AF39-904B-95D3-FBAF881CC1C6}"/>
               </a:ext>
             </a:extLst>
           </p:cNvPr>
@@ -1873,7 +1882,7 @@
     </p:spTree>
     <p:extLst>
       <p:ext uri="{BB962C8B-B14F-4D97-AF65-F5344CB8AC3E}">
-        <p14:creationId xmlns:p14="http://schemas.microsoft.com/office/powerpoint/2010/main" val="2353764563"/>
+        <p14:creationId xmlns:p14="http://schemas.microsoft.com/office/powerpoint/2010/main" val="318429036"/>
       </p:ext>
     </p:extLst>
   </p:cSld>
@@ -1905,7 +1914,7 @@
           <p:cNvPr id="2" name="Title 1">
             <a:extLst>
               <a:ext uri="{FF2B5EF4-FFF2-40B4-BE49-F238E27FC236}">
-                <a16:creationId xmlns:a16="http://schemas.microsoft.com/office/drawing/2014/main" id="{EAB2342C-E074-F14C-9683-DFF158BB2B5D}"/>
+                <a16:creationId xmlns:a16="http://schemas.microsoft.com/office/drawing/2014/main" id="{C128B6E0-CA9C-2048-A379-87885DB12127}"/>
               </a:ext>
             </a:extLst>
           </p:cNvPr>
@@ -1933,7 +1942,7 @@
           <p:cNvPr id="3" name="Date Placeholder 2">
             <a:extLst>
               <a:ext uri="{FF2B5EF4-FFF2-40B4-BE49-F238E27FC236}">
-                <a16:creationId xmlns:a16="http://schemas.microsoft.com/office/drawing/2014/main" id="{0958B2A9-958C-2845-A667-1B46B2731FD7}"/>
+                <a16:creationId xmlns:a16="http://schemas.microsoft.com/office/drawing/2014/main" id="{4E8D2B66-28BE-224F-B3A7-2A55461EC713}"/>
               </a:ext>
             </a:extLst>
           </p:cNvPr>
@@ -1951,7 +1960,7 @@
           <a:p>
             <a:fld id="{BC44D6E1-B5F5-8747-89D3-FC7E497D09FA}" type="datetimeFigureOut">
               <a:rPr lang="en-US" smtClean="0"/>
-              <a:t>12/28/18</a:t>
+              <a:t>1/25/19</a:t>
             </a:fld>
             <a:endParaRPr lang="en-US"/>
           </a:p>
@@ -1962,7 +1971,7 @@
           <p:cNvPr id="4" name="Footer Placeholder 3">
             <a:extLst>
               <a:ext uri="{FF2B5EF4-FFF2-40B4-BE49-F238E27FC236}">
-                <a16:creationId xmlns:a16="http://schemas.microsoft.com/office/drawing/2014/main" id="{CBE69F84-A3DF-7345-B488-F69A8DE26F6A}"/>
+                <a16:creationId xmlns:a16="http://schemas.microsoft.com/office/drawing/2014/main" id="{231E98BF-8918-A64C-BDD9-A371754642C2}"/>
               </a:ext>
             </a:extLst>
           </p:cNvPr>
@@ -1987,7 +1996,7 @@
           <p:cNvPr id="5" name="Slide Number Placeholder 4">
             <a:extLst>
               <a:ext uri="{FF2B5EF4-FFF2-40B4-BE49-F238E27FC236}">
-                <a16:creationId xmlns:a16="http://schemas.microsoft.com/office/drawing/2014/main" id="{1E385D57-ED2C-7C49-B7CE-63A517DF416F}"/>
+                <a16:creationId xmlns:a16="http://schemas.microsoft.com/office/drawing/2014/main" id="{5837C25F-7BB8-6C4A-9170-470645F88980}"/>
               </a:ext>
             </a:extLst>
           </p:cNvPr>
@@ -2014,7 +2023,7 @@
     </p:spTree>
     <p:extLst>
       <p:ext uri="{BB962C8B-B14F-4D97-AF65-F5344CB8AC3E}">
-        <p14:creationId xmlns:p14="http://schemas.microsoft.com/office/powerpoint/2010/main" val="290655746"/>
+        <p14:creationId xmlns:p14="http://schemas.microsoft.com/office/powerpoint/2010/main" val="994863348"/>
       </p:ext>
     </p:extLst>
   </p:cSld>
@@ -2046,7 +2055,7 @@
           <p:cNvPr id="2" name="Date Placeholder 1">
             <a:extLst>
               <a:ext uri="{FF2B5EF4-FFF2-40B4-BE49-F238E27FC236}">
-                <a16:creationId xmlns:a16="http://schemas.microsoft.com/office/drawing/2014/main" id="{15AF961A-29FC-0245-B38B-38BCB6F6F0BA}"/>
+                <a16:creationId xmlns:a16="http://schemas.microsoft.com/office/drawing/2014/main" id="{2603E2CA-BE43-6941-8228-8A4A559C179B}"/>
               </a:ext>
             </a:extLst>
           </p:cNvPr>
@@ -2064,7 +2073,7 @@
           <a:p>
             <a:fld id="{BC44D6E1-B5F5-8747-89D3-FC7E497D09FA}" type="datetimeFigureOut">
               <a:rPr lang="en-US" smtClean="0"/>
-              <a:t>12/28/18</a:t>
+              <a:t>1/25/19</a:t>
             </a:fld>
             <a:endParaRPr lang="en-US"/>
           </a:p>
@@ -2075,7 +2084,7 @@
           <p:cNvPr id="3" name="Footer Placeholder 2">
             <a:extLst>
               <a:ext uri="{FF2B5EF4-FFF2-40B4-BE49-F238E27FC236}">
-                <a16:creationId xmlns:a16="http://schemas.microsoft.com/office/drawing/2014/main" id="{1EA8B1FA-A10E-E24F-936C-A1FF2517432A}"/>
+                <a16:creationId xmlns:a16="http://schemas.microsoft.com/office/drawing/2014/main" id="{61F0EC01-31F5-FF4D-BC27-6A4B7F7346C4}"/>
               </a:ext>
             </a:extLst>
           </p:cNvPr>
@@ -2100,7 +2109,7 @@
           <p:cNvPr id="4" name="Slide Number Placeholder 3">
             <a:extLst>
               <a:ext uri="{FF2B5EF4-FFF2-40B4-BE49-F238E27FC236}">
-                <a16:creationId xmlns:a16="http://schemas.microsoft.com/office/drawing/2014/main" id="{B5AA1F20-BA95-AB44-A4BC-E4178FD96B2D}"/>
+                <a16:creationId xmlns:a16="http://schemas.microsoft.com/office/drawing/2014/main" id="{97AAAE1C-2A19-684C-A169-55B056194867}"/>
               </a:ext>
             </a:extLst>
           </p:cNvPr>
@@ -2127,7 +2136,7 @@
     </p:spTree>
     <p:extLst>
       <p:ext uri="{BB962C8B-B14F-4D97-AF65-F5344CB8AC3E}">
-        <p14:creationId xmlns:p14="http://schemas.microsoft.com/office/powerpoint/2010/main" val="3611888504"/>
+        <p14:creationId xmlns:p14="http://schemas.microsoft.com/office/powerpoint/2010/main" val="2260737106"/>
       </p:ext>
     </p:extLst>
   </p:cSld>
@@ -2159,7 +2168,7 @@
           <p:cNvPr id="2" name="Title 1">
             <a:extLst>
               <a:ext uri="{FF2B5EF4-FFF2-40B4-BE49-F238E27FC236}">
-                <a16:creationId xmlns:a16="http://schemas.microsoft.com/office/drawing/2014/main" id="{12C734F3-B5B8-3345-A9A8-2565B918443E}"/>
+                <a16:creationId xmlns:a16="http://schemas.microsoft.com/office/drawing/2014/main" id="{553D07A0-5A25-374E-A8CF-851FD231BB1C}"/>
               </a:ext>
             </a:extLst>
           </p:cNvPr>
@@ -2196,7 +2205,7 @@
           <p:cNvPr id="3" name="Content Placeholder 2">
             <a:extLst>
               <a:ext uri="{FF2B5EF4-FFF2-40B4-BE49-F238E27FC236}">
-                <a16:creationId xmlns:a16="http://schemas.microsoft.com/office/drawing/2014/main" id="{49CA0572-1C9D-824B-9213-F20DDDFF867D}"/>
+                <a16:creationId xmlns:a16="http://schemas.microsoft.com/office/drawing/2014/main" id="{7FD88F5D-5F22-4543-848A-96106F55E3E4}"/>
               </a:ext>
             </a:extLst>
           </p:cNvPr>
@@ -2286,7 +2295,7 @@
           <p:cNvPr id="4" name="Text Placeholder 3">
             <a:extLst>
               <a:ext uri="{FF2B5EF4-FFF2-40B4-BE49-F238E27FC236}">
-                <a16:creationId xmlns:a16="http://schemas.microsoft.com/office/drawing/2014/main" id="{7FC683E1-C422-154D-BB2F-7C9BC531532D}"/>
+                <a16:creationId xmlns:a16="http://schemas.microsoft.com/office/drawing/2014/main" id="{2394E4CE-6897-7A42-A582-E509DC818EBB}"/>
               </a:ext>
             </a:extLst>
           </p:cNvPr>
@@ -2357,7 +2366,7 @@
           <p:cNvPr id="5" name="Date Placeholder 4">
             <a:extLst>
               <a:ext uri="{FF2B5EF4-FFF2-40B4-BE49-F238E27FC236}">
-                <a16:creationId xmlns:a16="http://schemas.microsoft.com/office/drawing/2014/main" id="{05205E36-3AAC-ED44-B983-50FEC6A37102}"/>
+                <a16:creationId xmlns:a16="http://schemas.microsoft.com/office/drawing/2014/main" id="{20D16C78-E7C5-234E-8B0D-C279A8670F7D}"/>
               </a:ext>
             </a:extLst>
           </p:cNvPr>
@@ -2375,7 +2384,7 @@
           <a:p>
             <a:fld id="{BC44D6E1-B5F5-8747-89D3-FC7E497D09FA}" type="datetimeFigureOut">
               <a:rPr lang="en-US" smtClean="0"/>
-              <a:t>12/28/18</a:t>
+              <a:t>1/25/19</a:t>
             </a:fld>
             <a:endParaRPr lang="en-US"/>
           </a:p>
@@ -2386,7 +2395,7 @@
           <p:cNvPr id="6" name="Footer Placeholder 5">
             <a:extLst>
               <a:ext uri="{FF2B5EF4-FFF2-40B4-BE49-F238E27FC236}">
-                <a16:creationId xmlns:a16="http://schemas.microsoft.com/office/drawing/2014/main" id="{7C070C59-3AC8-4949-A864-C84922E00F9F}"/>
+                <a16:creationId xmlns:a16="http://schemas.microsoft.com/office/drawing/2014/main" id="{BD05588C-4520-9147-8CB6-9899DD222489}"/>
               </a:ext>
             </a:extLst>
           </p:cNvPr>
@@ -2411,7 +2420,7 @@
           <p:cNvPr id="7" name="Slide Number Placeholder 6">
             <a:extLst>
               <a:ext uri="{FF2B5EF4-FFF2-40B4-BE49-F238E27FC236}">
-                <a16:creationId xmlns:a16="http://schemas.microsoft.com/office/drawing/2014/main" id="{B867DF46-C37D-8D45-82AE-9819FEE2F086}"/>
+                <a16:creationId xmlns:a16="http://schemas.microsoft.com/office/drawing/2014/main" id="{C659370E-CA35-8144-A116-E0B5B99CB5AA}"/>
               </a:ext>
             </a:extLst>
           </p:cNvPr>
@@ -2438,7 +2447,7 @@
     </p:spTree>
     <p:extLst>
       <p:ext uri="{BB962C8B-B14F-4D97-AF65-F5344CB8AC3E}">
-        <p14:creationId xmlns:p14="http://schemas.microsoft.com/office/powerpoint/2010/main" val="1874651674"/>
+        <p14:creationId xmlns:p14="http://schemas.microsoft.com/office/powerpoint/2010/main" val="2446239586"/>
       </p:ext>
     </p:extLst>
   </p:cSld>
@@ -2470,7 +2479,7 @@
           <p:cNvPr id="2" name="Title 1">
             <a:extLst>
               <a:ext uri="{FF2B5EF4-FFF2-40B4-BE49-F238E27FC236}">
-                <a16:creationId xmlns:a16="http://schemas.microsoft.com/office/drawing/2014/main" id="{82C494FD-2CB4-7C4A-827F-BCCB70DEEF81}"/>
+                <a16:creationId xmlns:a16="http://schemas.microsoft.com/office/drawing/2014/main" id="{50DEF2E8-5EAB-554E-9083-E38602B4081B}"/>
               </a:ext>
             </a:extLst>
           </p:cNvPr>
@@ -2507,7 +2516,7 @@
           <p:cNvPr id="3" name="Picture Placeholder 2">
             <a:extLst>
               <a:ext uri="{FF2B5EF4-FFF2-40B4-BE49-F238E27FC236}">
-                <a16:creationId xmlns:a16="http://schemas.microsoft.com/office/drawing/2014/main" id="{D82F00B8-3A31-4B4D-999D-C83FEA1BD954}"/>
+                <a16:creationId xmlns:a16="http://schemas.microsoft.com/office/drawing/2014/main" id="{1863E970-B467-4A4E-AB40-8B65BFE6835B}"/>
               </a:ext>
             </a:extLst>
           </p:cNvPr>
@@ -2574,7 +2583,7 @@
           <p:cNvPr id="4" name="Text Placeholder 3">
             <a:extLst>
               <a:ext uri="{FF2B5EF4-FFF2-40B4-BE49-F238E27FC236}">
-                <a16:creationId xmlns:a16="http://schemas.microsoft.com/office/drawing/2014/main" id="{C899E5BE-6B29-9945-80BE-0A57BDFDC583}"/>
+                <a16:creationId xmlns:a16="http://schemas.microsoft.com/office/drawing/2014/main" id="{C09FE109-F593-C244-8A27-253C8C05F397}"/>
               </a:ext>
             </a:extLst>
           </p:cNvPr>
@@ -2645,7 +2654,7 @@
           <p:cNvPr id="5" name="Date Placeholder 4">
             <a:extLst>
               <a:ext uri="{FF2B5EF4-FFF2-40B4-BE49-F238E27FC236}">
-                <a16:creationId xmlns:a16="http://schemas.microsoft.com/office/drawing/2014/main" id="{21CFED1B-A9D2-6540-A7FD-5D86125C9BB0}"/>
+                <a16:creationId xmlns:a16="http://schemas.microsoft.com/office/drawing/2014/main" id="{7ADC3E12-F715-024C-AAA3-2571C0EF57DB}"/>
               </a:ext>
             </a:extLst>
           </p:cNvPr>
@@ -2663,7 +2672,7 @@
           <a:p>
             <a:fld id="{BC44D6E1-B5F5-8747-89D3-FC7E497D09FA}" type="datetimeFigureOut">
               <a:rPr lang="en-US" smtClean="0"/>
-              <a:t>12/28/18</a:t>
+              <a:t>1/25/19</a:t>
             </a:fld>
             <a:endParaRPr lang="en-US"/>
           </a:p>
@@ -2674,7 +2683,7 @@
           <p:cNvPr id="6" name="Footer Placeholder 5">
             <a:extLst>
               <a:ext uri="{FF2B5EF4-FFF2-40B4-BE49-F238E27FC236}">
-                <a16:creationId xmlns:a16="http://schemas.microsoft.com/office/drawing/2014/main" id="{C660247C-B323-4B47-A9F4-01D36E4F0C7D}"/>
+                <a16:creationId xmlns:a16="http://schemas.microsoft.com/office/drawing/2014/main" id="{2922C627-2EAE-824F-B935-D74A91E687DE}"/>
               </a:ext>
             </a:extLst>
           </p:cNvPr>
@@ -2699,7 +2708,7 @@
           <p:cNvPr id="7" name="Slide Number Placeholder 6">
             <a:extLst>
               <a:ext uri="{FF2B5EF4-FFF2-40B4-BE49-F238E27FC236}">
-                <a16:creationId xmlns:a16="http://schemas.microsoft.com/office/drawing/2014/main" id="{645BE0D1-BB7A-264C-9395-7EEB3501FDFD}"/>
+                <a16:creationId xmlns:a16="http://schemas.microsoft.com/office/drawing/2014/main" id="{5CB5A2AA-85D7-2B42-A4D3-964F6B38250F}"/>
               </a:ext>
             </a:extLst>
           </p:cNvPr>
@@ -2726,7 +2735,7 @@
     </p:spTree>
     <p:extLst>
       <p:ext uri="{BB962C8B-B14F-4D97-AF65-F5344CB8AC3E}">
-        <p14:creationId xmlns:p14="http://schemas.microsoft.com/office/powerpoint/2010/main" val="2307321010"/>
+        <p14:creationId xmlns:p14="http://schemas.microsoft.com/office/powerpoint/2010/main" val="3590513337"/>
       </p:ext>
     </p:extLst>
   </p:cSld>
@@ -2763,7 +2772,7 @@
           <p:cNvPr id="2" name="Title Placeholder 1">
             <a:extLst>
               <a:ext uri="{FF2B5EF4-FFF2-40B4-BE49-F238E27FC236}">
-                <a16:creationId xmlns:a16="http://schemas.microsoft.com/office/drawing/2014/main" id="{56BF86FF-5154-544A-A83A-3266F29652EA}"/>
+                <a16:creationId xmlns:a16="http://schemas.microsoft.com/office/drawing/2014/main" id="{C15A8356-97A8-804B-8FB1-6E3343FDBE9F}"/>
               </a:ext>
             </a:extLst>
           </p:cNvPr>
@@ -2801,7 +2810,7 @@
           <p:cNvPr id="3" name="Text Placeholder 2">
             <a:extLst>
               <a:ext uri="{FF2B5EF4-FFF2-40B4-BE49-F238E27FC236}">
-                <a16:creationId xmlns:a16="http://schemas.microsoft.com/office/drawing/2014/main" id="{41307639-21C0-B345-9C0F-671AB2E32F98}"/>
+                <a16:creationId xmlns:a16="http://schemas.microsoft.com/office/drawing/2014/main" id="{10DB14D0-C980-964A-A5A8-FDC3CC877E9B}"/>
               </a:ext>
             </a:extLst>
           </p:cNvPr>
@@ -2868,7 +2877,7 @@
           <p:cNvPr id="4" name="Date Placeholder 3">
             <a:extLst>
               <a:ext uri="{FF2B5EF4-FFF2-40B4-BE49-F238E27FC236}">
-                <a16:creationId xmlns:a16="http://schemas.microsoft.com/office/drawing/2014/main" id="{9F3FC118-14CB-C445-95F3-052AC979FE61}"/>
+                <a16:creationId xmlns:a16="http://schemas.microsoft.com/office/drawing/2014/main" id="{8429AAEE-4948-C745-BD7E-B7FF2E1ED89A}"/>
               </a:ext>
             </a:extLst>
           </p:cNvPr>
@@ -2904,7 +2913,7 @@
           <a:p>
             <a:fld id="{BC44D6E1-B5F5-8747-89D3-FC7E497D09FA}" type="datetimeFigureOut">
               <a:rPr lang="en-US" smtClean="0"/>
-              <a:t>12/28/18</a:t>
+              <a:t>1/25/19</a:t>
             </a:fld>
             <a:endParaRPr lang="en-US"/>
           </a:p>
@@ -2915,7 +2924,7 @@
           <p:cNvPr id="5" name="Footer Placeholder 4">
             <a:extLst>
               <a:ext uri="{FF2B5EF4-FFF2-40B4-BE49-F238E27FC236}">
-                <a16:creationId xmlns:a16="http://schemas.microsoft.com/office/drawing/2014/main" id="{AFE59AF6-CD87-7E4D-9EDF-7A24BAEB32E5}"/>
+                <a16:creationId xmlns:a16="http://schemas.microsoft.com/office/drawing/2014/main" id="{F226183C-C0F3-4146-A1C2-6EA3E5423298}"/>
               </a:ext>
             </a:extLst>
           </p:cNvPr>
@@ -2958,7 +2967,7 @@
           <p:cNvPr id="6" name="Slide Number Placeholder 5">
             <a:extLst>
               <a:ext uri="{FF2B5EF4-FFF2-40B4-BE49-F238E27FC236}">
-                <a16:creationId xmlns:a16="http://schemas.microsoft.com/office/drawing/2014/main" id="{631A0B56-457A-CF42-AAF0-6501A9656C70}"/>
+                <a16:creationId xmlns:a16="http://schemas.microsoft.com/office/drawing/2014/main" id="{2F81A3C5-298A-ED4D-B5D7-E7088B92D797}"/>
               </a:ext>
             </a:extLst>
           </p:cNvPr>
@@ -3003,23 +3012,23 @@
     </p:spTree>
     <p:extLst>
       <p:ext uri="{BB962C8B-B14F-4D97-AF65-F5344CB8AC3E}">
-        <p14:creationId xmlns:p14="http://schemas.microsoft.com/office/powerpoint/2010/main" val="1979625113"/>
+        <p14:creationId xmlns:p14="http://schemas.microsoft.com/office/powerpoint/2010/main" val="1456019411"/>
       </p:ext>
     </p:extLst>
   </p:cSld>
   <p:clrMap bg1="lt1" tx1="dk1" bg2="lt2" tx2="dk2" accent1="accent1" accent2="accent2" accent3="accent3" accent4="accent4" accent5="accent5" accent6="accent6" hlink="hlink" folHlink="folHlink"/>
   <p:sldLayoutIdLst>
-    <p:sldLayoutId id="2147483649" r:id="rId1"/>
-    <p:sldLayoutId id="2147483650" r:id="rId2"/>
-    <p:sldLayoutId id="2147483651" r:id="rId3"/>
-    <p:sldLayoutId id="2147483652" r:id="rId4"/>
-    <p:sldLayoutId id="2147483653" r:id="rId5"/>
-    <p:sldLayoutId id="2147483654" r:id="rId6"/>
-    <p:sldLayoutId id="2147483655" r:id="rId7"/>
-    <p:sldLayoutId id="2147483656" r:id="rId8"/>
-    <p:sldLayoutId id="2147483657" r:id="rId9"/>
-    <p:sldLayoutId id="2147483658" r:id="rId10"/>
-    <p:sldLayoutId id="2147483659" r:id="rId11"/>
+    <p:sldLayoutId id="2147483757" r:id="rId1"/>
+    <p:sldLayoutId id="2147483758" r:id="rId2"/>
+    <p:sldLayoutId id="2147483759" r:id="rId3"/>
+    <p:sldLayoutId id="2147483760" r:id="rId4"/>
+    <p:sldLayoutId id="2147483761" r:id="rId5"/>
+    <p:sldLayoutId id="2147483762" r:id="rId6"/>
+    <p:sldLayoutId id="2147483763" r:id="rId7"/>
+    <p:sldLayoutId id="2147483764" r:id="rId8"/>
+    <p:sldLayoutId id="2147483765" r:id="rId9"/>
+    <p:sldLayoutId id="2147483766" r:id="rId10"/>
+    <p:sldLayoutId id="2147483767" r:id="rId11"/>
   </p:sldLayoutIdLst>
   <p:txStyles>
     <p:titleStyle>
@@ -3307,6 +3316,14 @@
 <file path=ppt/slides/slide1.xml><?xml version="1.0" encoding="utf-8"?>
 <p:sld xmlns:a="http://schemas.openxmlformats.org/drawingml/2006/main" xmlns:r="http://schemas.openxmlformats.org/officeDocument/2006/relationships" xmlns:p="http://schemas.openxmlformats.org/presentationml/2006/main">
   <p:cSld>
+    <p:bg>
+      <p:bgPr>
+        <a:solidFill>
+          <a:schemeClr val="bg1"/>
+        </a:solidFill>
+        <a:effectLst/>
+      </p:bgPr>
+    </p:bg>
     <p:spTree>
       <p:nvGrpSpPr>
         <p:cNvPr id="1" name=""/>
@@ -3326,58 +3343,1147 @@
           <p:cNvPr id="2" name="Title 1">
             <a:extLst>
               <a:ext uri="{FF2B5EF4-FFF2-40B4-BE49-F238E27FC236}">
-                <a16:creationId xmlns:a16="http://schemas.microsoft.com/office/drawing/2014/main" id="{5B412A78-AE17-A342-8DE0-942616BE1266}"/>
-              </a:ext>
-            </a:extLst>
-          </p:cNvPr>
-          <p:cNvSpPr>
-            <a:spLocks noGrp="1"/>
-          </p:cNvSpPr>
-          <p:nvPr>
-            <p:ph type="ctrTitle"/>
-          </p:nvPr>
-        </p:nvSpPr>
-        <p:spPr/>
-        <p:txBody>
-          <a:bodyPr/>
-          <a:lstStyle/>
-          <a:p>
-            <a:r>
-              <a:rPr lang="en-US"/>
-              <a:t>Spark Architecture</a:t>
-            </a:r>
-          </a:p>
-        </p:txBody>
-      </p:sp>
-      <p:sp>
-        <p:nvSpPr>
-          <p:cNvPr id="3" name="Subtitle 2">
-            <a:extLst>
-              <a:ext uri="{FF2B5EF4-FFF2-40B4-BE49-F238E27FC236}">
-                <a16:creationId xmlns:a16="http://schemas.microsoft.com/office/drawing/2014/main" id="{E621F185-C175-E64D-BB4F-2EA2BA2E18FD}"/>
-              </a:ext>
-            </a:extLst>
-          </p:cNvPr>
-          <p:cNvSpPr>
-            <a:spLocks noGrp="1"/>
-          </p:cNvSpPr>
-          <p:nvPr>
-            <p:ph type="subTitle" idx="1"/>
-          </p:nvPr>
-        </p:nvSpPr>
-        <p:spPr/>
-        <p:txBody>
-          <a:bodyPr/>
-          <a:lstStyle/>
-          <a:p>
-            <a:endParaRPr lang="en-US"/>
-          </a:p>
-        </p:txBody>
-      </p:sp>
+                <a16:creationId xmlns:a16="http://schemas.microsoft.com/office/drawing/2014/main" id="{493A4692-C8FD-7940-9A87-1DF219BEE69F}"/>
+              </a:ext>
+            </a:extLst>
+          </p:cNvPr>
+          <p:cNvSpPr>
+            <a:spLocks noGrp="1"/>
+          </p:cNvSpPr>
+          <p:nvPr>
+            <p:ph type="title"/>
+          </p:nvPr>
+        </p:nvSpPr>
+        <p:spPr>
+          <a:xfrm>
+            <a:off x="6094105" y="802955"/>
+            <a:ext cx="4977976" cy="1454051"/>
+          </a:xfrm>
+        </p:spPr>
+        <p:txBody>
+          <a:bodyPr>
+            <a:normAutofit/>
+          </a:bodyPr>
+          <a:lstStyle/>
+          <a:p>
+            <a:r>
+              <a:rPr lang="en-US">
+                <a:solidFill>
+                  <a:srgbClr val="000000"/>
+                </a:solidFill>
+              </a:rPr>
+              <a:t> </a:t>
+            </a:r>
+            <a:r>
+              <a:rPr lang="en-US" b="1">
+                <a:solidFill>
+                  <a:srgbClr val="000000"/>
+                </a:solidFill>
+              </a:rPr>
+              <a:t>Master-Worker Architecture </a:t>
+            </a:r>
+            <a:endParaRPr lang="en-US">
+              <a:solidFill>
+                <a:srgbClr val="000000"/>
+              </a:solidFill>
+            </a:endParaRPr>
+          </a:p>
+        </p:txBody>
+      </p:sp>
+      <p:sp>
+        <p:nvSpPr>
+          <p:cNvPr id="3" name="Content Placeholder 2">
+            <a:extLst>
+              <a:ext uri="{FF2B5EF4-FFF2-40B4-BE49-F238E27FC236}">
+                <a16:creationId xmlns:a16="http://schemas.microsoft.com/office/drawing/2014/main" id="{B0F67522-116B-454D-89DC-35C06614EF1B}"/>
+              </a:ext>
+            </a:extLst>
+          </p:cNvPr>
+          <p:cNvSpPr>
+            <a:spLocks noGrp="1"/>
+          </p:cNvSpPr>
+          <p:nvPr>
+            <p:ph idx="1"/>
+          </p:nvPr>
+        </p:nvSpPr>
+        <p:spPr>
+          <a:xfrm>
+            <a:off x="6090574" y="2421682"/>
+            <a:ext cx="4977578" cy="3639289"/>
+          </a:xfrm>
+        </p:spPr>
+        <p:txBody>
+          <a:bodyPr anchor="ctr">
+            <a:normAutofit/>
+          </a:bodyPr>
+          <a:lstStyle/>
+          <a:p>
+            <a:r>
+              <a:rPr lang="en-US" sz="2000" dirty="0">
+                <a:solidFill>
+                  <a:srgbClr val="000000"/>
+                </a:solidFill>
+              </a:rPr>
+              <a:t>Spark uses a </a:t>
+            </a:r>
+            <a:r>
+              <a:rPr lang="en-US" sz="2000" b="1" i="1" dirty="0">
+                <a:solidFill>
+                  <a:srgbClr val="000000"/>
+                </a:solidFill>
+              </a:rPr>
+              <a:t>master-worker</a:t>
+            </a:r>
+            <a:r>
+              <a:rPr lang="en-US" sz="2000" b="1" dirty="0">
+                <a:solidFill>
+                  <a:srgbClr val="000000"/>
+                </a:solidFill>
+              </a:rPr>
+              <a:t> architecture</a:t>
+            </a:r>
+            <a:r>
+              <a:rPr lang="en-US" sz="2000" dirty="0">
+                <a:solidFill>
+                  <a:srgbClr val="000000"/>
+                </a:solidFill>
+              </a:rPr>
+              <a:t>.</a:t>
+            </a:r>
+          </a:p>
+          <a:p>
+            <a:r>
+              <a:rPr lang="en-US" sz="2000" dirty="0">
+                <a:solidFill>
+                  <a:srgbClr val="000000"/>
+                </a:solidFill>
+              </a:rPr>
+              <a:t> The </a:t>
+            </a:r>
+            <a:r>
+              <a:rPr lang="en-US" sz="2000" b="1" i="1" dirty="0">
+                <a:solidFill>
+                  <a:srgbClr val="000000"/>
+                </a:solidFill>
+              </a:rPr>
+              <a:t>driver</a:t>
+            </a:r>
+            <a:r>
+              <a:rPr lang="en-US" sz="2000" dirty="0">
+                <a:solidFill>
+                  <a:srgbClr val="000000"/>
+                </a:solidFill>
+              </a:rPr>
+              <a:t> that talks to a coordinator called the </a:t>
+            </a:r>
+            <a:r>
+              <a:rPr lang="en-US" sz="2000" b="1" i="1" dirty="0">
+                <a:solidFill>
+                  <a:srgbClr val="000000"/>
+                </a:solidFill>
+              </a:rPr>
+              <a:t>master</a:t>
+            </a:r>
+            <a:r>
+              <a:rPr lang="en-US" sz="2000" dirty="0">
+                <a:solidFill>
+                  <a:srgbClr val="000000"/>
+                </a:solidFill>
+              </a:rPr>
+              <a:t>  that manages </a:t>
+            </a:r>
+            <a:r>
+              <a:rPr lang="en-US" sz="2000" b="1" i="1" dirty="0">
+                <a:solidFill>
+                  <a:srgbClr val="000000"/>
+                </a:solidFill>
+              </a:rPr>
+              <a:t>worker</a:t>
+            </a:r>
+            <a:r>
+              <a:rPr lang="en-US" sz="2000" dirty="0">
+                <a:solidFill>
+                  <a:srgbClr val="000000"/>
+                </a:solidFill>
+              </a:rPr>
+              <a:t> where </a:t>
+            </a:r>
+            <a:r>
+              <a:rPr lang="en-US" sz="2000" b="1" i="1" dirty="0">
+                <a:solidFill>
+                  <a:srgbClr val="000000"/>
+                </a:solidFill>
+              </a:rPr>
+              <a:t>executors</a:t>
+            </a:r>
+            <a:r>
+              <a:rPr lang="en-US" sz="2000" dirty="0">
+                <a:solidFill>
+                  <a:srgbClr val="000000"/>
+                </a:solidFill>
+              </a:rPr>
+              <a:t> run.</a:t>
+            </a:r>
+          </a:p>
+          <a:p>
+            <a:endParaRPr lang="en-US" sz="2000" dirty="0">
+              <a:solidFill>
+                <a:srgbClr val="000000"/>
+              </a:solidFill>
+            </a:endParaRPr>
+          </a:p>
+          <a:p>
+            <a:r>
+              <a:rPr lang="en-US" sz="2000" dirty="0">
+                <a:solidFill>
+                  <a:schemeClr val="bg1"/>
+                </a:solidFill>
+                <a:hlinkClick r:id="rId2"/>
+              </a:rPr>
+              <a:t>Credit</a:t>
+            </a:r>
+            <a:endParaRPr lang="en-US" sz="2000" dirty="0">
+              <a:solidFill>
+                <a:schemeClr val="bg1"/>
+              </a:solidFill>
+            </a:endParaRPr>
+          </a:p>
+          <a:p>
+            <a:endParaRPr lang="en-US" sz="2000" dirty="0">
+              <a:solidFill>
+                <a:srgbClr val="000000"/>
+              </a:solidFill>
+            </a:endParaRPr>
+          </a:p>
+          <a:p>
+            <a:pPr marL="0" indent="0">
+              <a:buNone/>
+            </a:pPr>
+            <a:endParaRPr lang="en-US" sz="2000" dirty="0">
+              <a:solidFill>
+                <a:srgbClr val="000000"/>
+              </a:solidFill>
+            </a:endParaRPr>
+          </a:p>
+        </p:txBody>
+      </p:sp>
+      <p:pic>
+        <p:nvPicPr>
+          <p:cNvPr id="5" name="Picture 4" descr="A picture containing clipart&#10;&#10;Description automatically generated">
+            <a:extLst>
+              <a:ext uri="{FF2B5EF4-FFF2-40B4-BE49-F238E27FC236}">
+                <a16:creationId xmlns:a16="http://schemas.microsoft.com/office/drawing/2014/main" id="{915A5D63-EB26-2945-8842-F30D03A98ECD}"/>
+              </a:ext>
+            </a:extLst>
+          </p:cNvPr>
+          <p:cNvPicPr>
+            <a:picLocks noChangeAspect="1"/>
+          </p:cNvPicPr>
+          <p:nvPr/>
+        </p:nvPicPr>
+        <p:blipFill>
+          <a:blip r:embed="rId3"/>
+          <a:stretch>
+            <a:fillRect/>
+          </a:stretch>
+        </p:blipFill>
+        <p:spPr>
+          <a:xfrm>
+            <a:off x="429349" y="2377558"/>
+            <a:ext cx="3661831" cy="2123082"/>
+          </a:xfrm>
+          <a:prstGeom prst="rect">
+            <a:avLst/>
+          </a:prstGeom>
+        </p:spPr>
+      </p:pic>
     </p:spTree>
     <p:extLst>
       <p:ext uri="{BB962C8B-B14F-4D97-AF65-F5344CB8AC3E}">
-        <p14:creationId xmlns:p14="http://schemas.microsoft.com/office/powerpoint/2010/main" val="4178695472"/>
+        <p14:creationId xmlns:p14="http://schemas.microsoft.com/office/powerpoint/2010/main" val="102574511"/>
+      </p:ext>
+    </p:extLst>
+  </p:cSld>
+  <p:clrMapOvr>
+    <a:masterClrMapping/>
+  </p:clrMapOvr>
+</p:sld>
+</file>
+
+<file path=ppt/slides/slide2.xml><?xml version="1.0" encoding="utf-8"?>
+<p:sld xmlns:a="http://schemas.openxmlformats.org/drawingml/2006/main" xmlns:r="http://schemas.openxmlformats.org/officeDocument/2006/relationships" xmlns:p="http://schemas.openxmlformats.org/presentationml/2006/main">
+  <p:cSld>
+    <p:bg>
+      <p:bgPr>
+        <a:solidFill>
+          <a:schemeClr val="bg1"/>
+        </a:solidFill>
+        <a:effectLst/>
+      </p:bgPr>
+    </p:bg>
+    <p:spTree>
+      <p:nvGrpSpPr>
+        <p:cNvPr id="1" name=""/>
+        <p:cNvGrpSpPr/>
+        <p:nvPr/>
+      </p:nvGrpSpPr>
+      <p:grpSpPr>
+        <a:xfrm>
+          <a:off x="0" y="0"/>
+          <a:ext cx="0" cy="0"/>
+          <a:chOff x="0" y="0"/>
+          <a:chExt cx="0" cy="0"/>
+        </a:xfrm>
+      </p:grpSpPr>
+      <p:sp>
+        <p:nvSpPr>
+          <p:cNvPr id="2" name="Title 1">
+            <a:extLst>
+              <a:ext uri="{FF2B5EF4-FFF2-40B4-BE49-F238E27FC236}">
+                <a16:creationId xmlns:a16="http://schemas.microsoft.com/office/drawing/2014/main" id="{CC4002AB-B994-0246-830A-D6A23C87877F}"/>
+              </a:ext>
+            </a:extLst>
+          </p:cNvPr>
+          <p:cNvSpPr>
+            <a:spLocks noGrp="1"/>
+          </p:cNvSpPr>
+          <p:nvPr>
+            <p:ph type="title"/>
+          </p:nvPr>
+        </p:nvSpPr>
+        <p:spPr>
+          <a:xfrm>
+            <a:off x="640080" y="2074363"/>
+            <a:ext cx="2752354" cy="2709275"/>
+          </a:xfrm>
+          <a:prstGeom prst="ellipse">
+            <a:avLst/>
+          </a:prstGeom>
+          <a:solidFill>
+            <a:srgbClr val="262626"/>
+          </a:solidFill>
+          <a:ln w="174625" cmpd="thinThick">
+            <a:solidFill>
+              <a:srgbClr val="262626"/>
+            </a:solidFill>
+          </a:ln>
+        </p:spPr>
+        <p:txBody>
+          <a:bodyPr vert="horz" lIns="91440" tIns="45720" rIns="91440" bIns="45720" rtlCol="0" anchor="ctr">
+            <a:normAutofit/>
+          </a:bodyPr>
+          <a:lstStyle/>
+          <a:p>
+            <a:pPr algn="ctr"/>
+            <a:r>
+              <a:rPr lang="en-US" sz="2600" b="1" kern="1200" dirty="0">
+                <a:solidFill>
+                  <a:srgbClr val="FFFFFF"/>
+                </a:solidFill>
+                <a:latin typeface="+mj-lt"/>
+                <a:ea typeface="+mj-ea"/>
+                <a:cs typeface="+mj-cs"/>
+              </a:rPr>
+              <a:t>Master-Worker Architecture</a:t>
+            </a:r>
+            <a:endParaRPr lang="en-US" sz="2600" kern="1200" dirty="0">
+              <a:solidFill>
+                <a:srgbClr val="FFFFFF"/>
+              </a:solidFill>
+              <a:latin typeface="+mj-lt"/>
+              <a:ea typeface="+mj-ea"/>
+              <a:cs typeface="+mj-cs"/>
+            </a:endParaRPr>
+          </a:p>
+        </p:txBody>
+      </p:sp>
+      <p:pic>
+        <p:nvPicPr>
+          <p:cNvPr id="5" name="Content Placeholder 4" descr="A screenshot of a cell phone&#10;&#10;Description automatically generated">
+            <a:extLst>
+              <a:ext uri="{FF2B5EF4-FFF2-40B4-BE49-F238E27FC236}">
+                <a16:creationId xmlns:a16="http://schemas.microsoft.com/office/drawing/2014/main" id="{4128C6F0-5336-4846-A70A-D6C58052480D}"/>
+              </a:ext>
+            </a:extLst>
+          </p:cNvPr>
+          <p:cNvPicPr>
+            <a:picLocks noGrp="1" noChangeAspect="1"/>
+          </p:cNvPicPr>
+          <p:nvPr>
+            <p:ph idx="1"/>
+          </p:nvPr>
+        </p:nvPicPr>
+        <p:blipFill>
+          <a:blip r:embed="rId2"/>
+          <a:stretch>
+            <a:fillRect/>
+          </a:stretch>
+        </p:blipFill>
+        <p:spPr>
+          <a:xfrm>
+            <a:off x="4038600" y="983318"/>
+            <a:ext cx="7188199" cy="4887975"/>
+          </a:xfrm>
+          <a:prstGeom prst="rect">
+            <a:avLst/>
+          </a:prstGeom>
+        </p:spPr>
+      </p:pic>
+    </p:spTree>
+    <p:extLst>
+      <p:ext uri="{BB962C8B-B14F-4D97-AF65-F5344CB8AC3E}">
+        <p14:creationId xmlns:p14="http://schemas.microsoft.com/office/powerpoint/2010/main" val="3622954205"/>
+      </p:ext>
+    </p:extLst>
+  </p:cSld>
+  <p:clrMapOvr>
+    <a:masterClrMapping/>
+  </p:clrMapOvr>
+</p:sld>
+</file>
+
+<file path=ppt/slides/slide3.xml><?xml version="1.0" encoding="utf-8"?>
+<p:sld xmlns:a="http://schemas.openxmlformats.org/drawingml/2006/main" xmlns:r="http://schemas.openxmlformats.org/officeDocument/2006/relationships" xmlns:p="http://schemas.openxmlformats.org/presentationml/2006/main">
+  <p:cSld>
+    <p:bg>
+      <p:bgPr>
+        <a:solidFill>
+          <a:schemeClr val="bg1"/>
+        </a:solidFill>
+        <a:effectLst/>
+      </p:bgPr>
+    </p:bg>
+    <p:spTree>
+      <p:nvGrpSpPr>
+        <p:cNvPr id="1" name=""/>
+        <p:cNvGrpSpPr/>
+        <p:nvPr/>
+      </p:nvGrpSpPr>
+      <p:grpSpPr>
+        <a:xfrm>
+          <a:off x="0" y="0"/>
+          <a:ext cx="0" cy="0"/>
+          <a:chOff x="0" y="0"/>
+          <a:chExt cx="0" cy="0"/>
+        </a:xfrm>
+      </p:grpSpPr>
+      <p:sp>
+        <p:nvSpPr>
+          <p:cNvPr id="10" name="Rectangle 9">
+            <a:extLst>
+              <a:ext uri="{FF2B5EF4-FFF2-40B4-BE49-F238E27FC236}">
+                <a16:creationId xmlns:a16="http://schemas.microsoft.com/office/drawing/2014/main" id="{1707FC24-6981-43D9-B525-C7832BA22463}"/>
+              </a:ext>
+              <a:ext uri="{C183D7F6-B498-43B3-948B-1728B52AA6E4}">
+                <adec:decorative xmlns:adec="http://schemas.microsoft.com/office/drawing/2017/decorative" val="1"/>
+              </a:ext>
+            </a:extLst>
+          </p:cNvPr>
+          <p:cNvSpPr>
+            <a:spLocks noGrp="1" noRot="1" noChangeAspect="1" noMove="1" noResize="1" noEditPoints="1" noAdjustHandles="1" noChangeArrowheads="1" noChangeShapeType="1" noTextEdit="1"/>
+          </p:cNvSpPr>
+          <p:nvPr>
+            <p:extLst>
+              <p:ext uri="{386F3935-93C4-4BCD-93E2-E3B085C9AB24}">
+                <p16:designElem xmlns:p16="http://schemas.microsoft.com/office/powerpoint/2015/main" val="1"/>
+              </p:ext>
+            </p:extLst>
+          </p:nvPr>
+        </p:nvSpPr>
+        <p:spPr bwMode="ltGray">
+          <a:xfrm>
+            <a:off x="336884" y="311449"/>
+            <a:ext cx="4332307" cy="6179552"/>
+          </a:xfrm>
+          <a:prstGeom prst="rect">
+            <a:avLst/>
+          </a:prstGeom>
+          <a:solidFill>
+            <a:srgbClr val="404040"/>
+          </a:solidFill>
+          <a:ln w="127000" cap="sq" cmpd="thinThick">
+            <a:solidFill>
+              <a:srgbClr val="404040"/>
+            </a:solidFill>
+          </a:ln>
+        </p:spPr>
+        <p:style>
+          <a:lnRef idx="2">
+            <a:schemeClr val="accent1">
+              <a:shade val="50000"/>
+            </a:schemeClr>
+          </a:lnRef>
+          <a:fillRef idx="1">
+            <a:schemeClr val="accent1"/>
+          </a:fillRef>
+          <a:effectRef idx="0">
+            <a:schemeClr val="accent1"/>
+          </a:effectRef>
+          <a:fontRef idx="minor">
+            <a:schemeClr val="lt1"/>
+          </a:fontRef>
+        </p:style>
+        <p:txBody>
+          <a:bodyPr rtlCol="0" anchor="ctr"/>
+          <a:lstStyle/>
+          <a:p>
+            <a:pPr algn="ctr"/>
+            <a:endParaRPr lang="en-US"/>
+          </a:p>
+        </p:txBody>
+      </p:sp>
+      <p:sp>
+        <p:nvSpPr>
+          <p:cNvPr id="2" name="Title 1">
+            <a:extLst>
+              <a:ext uri="{FF2B5EF4-FFF2-40B4-BE49-F238E27FC236}">
+                <a16:creationId xmlns:a16="http://schemas.microsoft.com/office/drawing/2014/main" id="{D56FB792-D40D-CB4D-A19E-7DBCB5F06A63}"/>
+              </a:ext>
+            </a:extLst>
+          </p:cNvPr>
+          <p:cNvSpPr>
+            <a:spLocks noGrp="1"/>
+          </p:cNvSpPr>
+          <p:nvPr>
+            <p:ph type="title"/>
+          </p:nvPr>
+        </p:nvSpPr>
+        <p:spPr>
+          <a:xfrm>
+            <a:off x="742950" y="742951"/>
+            <a:ext cx="3476625" cy="4962524"/>
+          </a:xfrm>
+        </p:spPr>
+        <p:txBody>
+          <a:bodyPr vert="horz" lIns="91440" tIns="45720" rIns="91440" bIns="45720" rtlCol="0" anchor="ctr">
+            <a:normAutofit/>
+          </a:bodyPr>
+          <a:lstStyle/>
+          <a:p>
+            <a:pPr algn="ctr"/>
+            <a:r>
+              <a:rPr lang="en-US" sz="3700" kern="1200">
+                <a:solidFill>
+                  <a:srgbClr val="FFFFFF"/>
+                </a:solidFill>
+                <a:latin typeface="+mj-lt"/>
+                <a:ea typeface="+mj-ea"/>
+                <a:cs typeface="+mj-cs"/>
+              </a:rPr>
+              <a:t>The driver and the executors run in their own Java processes. You can run them all on the same machne or separate machines</a:t>
+            </a:r>
+          </a:p>
+        </p:txBody>
+      </p:sp>
+      <p:pic>
+        <p:nvPicPr>
+          <p:cNvPr id="5" name="Content Placeholder 4" descr="A picture containing screenshot&#10;&#10;Description automatically generated">
+            <a:extLst>
+              <a:ext uri="{FF2B5EF4-FFF2-40B4-BE49-F238E27FC236}">
+                <a16:creationId xmlns:a16="http://schemas.microsoft.com/office/drawing/2014/main" id="{21296C3E-F4C1-934E-B17F-7CB30E06DBB8}"/>
+              </a:ext>
+            </a:extLst>
+          </p:cNvPr>
+          <p:cNvPicPr>
+            <a:picLocks noGrp="1" noChangeAspect="1"/>
+          </p:cNvPicPr>
+          <p:nvPr>
+            <p:ph idx="1"/>
+          </p:nvPr>
+        </p:nvPicPr>
+        <p:blipFill>
+          <a:blip r:embed="rId2"/>
+          <a:stretch>
+            <a:fillRect/>
+          </a:stretch>
+        </p:blipFill>
+        <p:spPr>
+          <a:xfrm>
+            <a:off x="5153822" y="598563"/>
+            <a:ext cx="6553545" cy="5668815"/>
+          </a:xfrm>
+          <a:prstGeom prst="rect">
+            <a:avLst/>
+          </a:prstGeom>
+        </p:spPr>
+      </p:pic>
+    </p:spTree>
+    <p:extLst>
+      <p:ext uri="{BB962C8B-B14F-4D97-AF65-F5344CB8AC3E}">
+        <p14:creationId xmlns:p14="http://schemas.microsoft.com/office/powerpoint/2010/main" val="2587374159"/>
+      </p:ext>
+    </p:extLst>
+  </p:cSld>
+  <p:clrMapOvr>
+    <a:masterClrMapping/>
+  </p:clrMapOvr>
+</p:sld>
+</file>
+
+<file path=ppt/slides/slide4.xml><?xml version="1.0" encoding="utf-8"?>
+<p:sld xmlns:a="http://schemas.openxmlformats.org/drawingml/2006/main" xmlns:r="http://schemas.openxmlformats.org/officeDocument/2006/relationships" xmlns:p="http://schemas.openxmlformats.org/presentationml/2006/main">
+  <p:cSld>
+    <p:bg>
+      <p:bgPr>
+        <a:solidFill>
+          <a:schemeClr val="bg1"/>
+        </a:solidFill>
+        <a:effectLst/>
+      </p:bgPr>
+    </p:bg>
+    <p:spTree>
+      <p:nvGrpSpPr>
+        <p:cNvPr id="1" name=""/>
+        <p:cNvGrpSpPr/>
+        <p:nvPr/>
+      </p:nvGrpSpPr>
+      <p:grpSpPr>
+        <a:xfrm>
+          <a:off x="0" y="0"/>
+          <a:ext cx="0" cy="0"/>
+          <a:chOff x="0" y="0"/>
+          <a:chExt cx="0" cy="0"/>
+        </a:xfrm>
+      </p:grpSpPr>
+      <p:sp useBgFill="1">
+        <p:nvSpPr>
+          <p:cNvPr id="8" name="Rectangle 7">
+            <a:extLst>
+              <a:ext uri="{FF2B5EF4-FFF2-40B4-BE49-F238E27FC236}">
+                <a16:creationId xmlns:a16="http://schemas.microsoft.com/office/drawing/2014/main" id="{3B854194-185D-494D-905C-7C7CB2E30F6E}"/>
+              </a:ext>
+              <a:ext uri="{C183D7F6-B498-43B3-948B-1728B52AA6E4}">
+                <adec:decorative xmlns:adec="http://schemas.microsoft.com/office/drawing/2017/decorative" val="1"/>
+              </a:ext>
+            </a:extLst>
+          </p:cNvPr>
+          <p:cNvSpPr>
+            <a:spLocks noGrp="1" noRot="1" noChangeAspect="1" noMove="1" noResize="1" noEditPoints="1" noAdjustHandles="1" noChangeArrowheads="1" noChangeShapeType="1" noTextEdit="1"/>
+          </p:cNvSpPr>
+          <p:nvPr>
+            <p:extLst>
+              <p:ext uri="{386F3935-93C4-4BCD-93E2-E3B085C9AB24}">
+                <p16:designElem xmlns:p16="http://schemas.microsoft.com/office/powerpoint/2015/main" val="1"/>
+              </p:ext>
+            </p:extLst>
+          </p:nvPr>
+        </p:nvSpPr>
+        <p:spPr>
+          <a:xfrm>
+            <a:off x="1" y="0"/>
+            <a:ext cx="6082110" cy="6858000"/>
+          </a:xfrm>
+          <a:prstGeom prst="rect">
+            <a:avLst/>
+          </a:prstGeom>
+          <a:ln>
+            <a:noFill/>
+          </a:ln>
+        </p:spPr>
+        <p:style>
+          <a:lnRef idx="2">
+            <a:schemeClr val="accent1">
+              <a:shade val="50000"/>
+            </a:schemeClr>
+          </a:lnRef>
+          <a:fillRef idx="1">
+            <a:schemeClr val="accent1"/>
+          </a:fillRef>
+          <a:effectRef idx="0">
+            <a:schemeClr val="accent1"/>
+          </a:effectRef>
+          <a:fontRef idx="minor">
+            <a:schemeClr val="lt1"/>
+          </a:fontRef>
+        </p:style>
+        <p:txBody>
+          <a:bodyPr rtlCol="0" anchor="ctr"/>
+          <a:lstStyle/>
+          <a:p>
+            <a:pPr algn="ctr"/>
+            <a:endParaRPr lang="en-US"/>
+          </a:p>
+        </p:txBody>
+      </p:sp>
+      <p:sp>
+        <p:nvSpPr>
+          <p:cNvPr id="10" name="Rectangle 9">
+            <a:extLst>
+              <a:ext uri="{FF2B5EF4-FFF2-40B4-BE49-F238E27FC236}">
+                <a16:creationId xmlns:a16="http://schemas.microsoft.com/office/drawing/2014/main" id="{B4F5FA0D-0104-4987-8241-EFF7C85B88DE}"/>
+              </a:ext>
+              <a:ext uri="{C183D7F6-B498-43B3-948B-1728B52AA6E4}">
+                <adec:decorative xmlns:adec="http://schemas.microsoft.com/office/drawing/2017/decorative" val="1"/>
+              </a:ext>
+            </a:extLst>
+          </p:cNvPr>
+          <p:cNvSpPr>
+            <a:spLocks noGrp="1" noRot="1" noChangeAspect="1" noMove="1" noResize="1" noEditPoints="1" noAdjustHandles="1" noChangeArrowheads="1" noChangeShapeType="1" noTextEdit="1"/>
+          </p:cNvSpPr>
+          <p:nvPr>
+            <p:extLst>
+              <p:ext uri="{386F3935-93C4-4BCD-93E2-E3B085C9AB24}">
+                <p16:designElem xmlns:p16="http://schemas.microsoft.com/office/powerpoint/2015/main" val="1"/>
+              </p:ext>
+            </p:extLst>
+          </p:nvPr>
+        </p:nvSpPr>
+        <p:spPr>
+          <a:xfrm>
+            <a:off x="1" y="0"/>
+            <a:ext cx="12191998" cy="6858000"/>
+          </a:xfrm>
+          <a:prstGeom prst="rect">
+            <a:avLst/>
+          </a:prstGeom>
+          <a:gradFill>
+            <a:gsLst>
+              <a:gs pos="0">
+                <a:schemeClr val="accent1">
+                  <a:lumMod val="90000"/>
+                </a:schemeClr>
+              </a:gs>
+              <a:gs pos="25000">
+                <a:schemeClr val="accent1">
+                  <a:lumMod val="90000"/>
+                </a:schemeClr>
+              </a:gs>
+              <a:gs pos="94000">
+                <a:schemeClr val="bg2">
+                  <a:lumMod val="25000"/>
+                </a:schemeClr>
+              </a:gs>
+              <a:gs pos="100000">
+                <a:schemeClr val="bg2">
+                  <a:lumMod val="25000"/>
+                </a:schemeClr>
+              </a:gs>
+            </a:gsLst>
+            <a:lin ang="4200000" scaled="0"/>
+          </a:gradFill>
+          <a:ln>
+            <a:noFill/>
+          </a:ln>
+        </p:spPr>
+        <p:style>
+          <a:lnRef idx="2">
+            <a:schemeClr val="accent1">
+              <a:shade val="50000"/>
+            </a:schemeClr>
+          </a:lnRef>
+          <a:fillRef idx="1">
+            <a:schemeClr val="accent1"/>
+          </a:fillRef>
+          <a:effectRef idx="0">
+            <a:schemeClr val="accent1"/>
+          </a:effectRef>
+          <a:fontRef idx="minor">
+            <a:schemeClr val="lt1"/>
+          </a:fontRef>
+        </p:style>
+        <p:txBody>
+          <a:bodyPr rtlCol="0" anchor="ctr"/>
+          <a:lstStyle/>
+          <a:p>
+            <a:pPr algn="ctr"/>
+            <a:endParaRPr lang="en-US"/>
+          </a:p>
+        </p:txBody>
+      </p:sp>
+      <p:pic>
+        <p:nvPicPr>
+          <p:cNvPr id="12" name="Picture 11">
+            <a:extLst>
+              <a:ext uri="{FF2B5EF4-FFF2-40B4-BE49-F238E27FC236}">
+                <a16:creationId xmlns:a16="http://schemas.microsoft.com/office/drawing/2014/main" id="{2897127E-6CEF-446C-BE87-93B7C46E49D1}"/>
+              </a:ext>
+              <a:ext uri="{C183D7F6-B498-43B3-948B-1728B52AA6E4}">
+                <adec:decorative xmlns:adec="http://schemas.microsoft.com/office/drawing/2017/decorative" val="1"/>
+              </a:ext>
+            </a:extLst>
+          </p:cNvPr>
+          <p:cNvPicPr>
+            <a:picLocks noGrp="1" noRot="1" noChangeAspect="1" noMove="1" noResize="1" noEditPoints="1" noAdjustHandles="1" noChangeArrowheads="1" noChangeShapeType="1" noCrop="1"/>
+          </p:cNvPicPr>
+          <p:nvPr>
+            <p:extLst>
+              <p:ext uri="{386F3935-93C4-4BCD-93E2-E3B085C9AB24}">
+                <p16:designElem xmlns:p16="http://schemas.microsoft.com/office/powerpoint/2015/main" val="1"/>
+              </p:ext>
+            </p:extLst>
+          </p:nvPr>
+        </p:nvPicPr>
+        <p:blipFill>
+          <a:blip r:embed="rId2">
+            <a:extLst>
+              <a:ext uri="{28A0092B-C50C-407E-A947-70E740481C1C}">
+                <a14:useLocalDpi xmlns:a14="http://schemas.microsoft.com/office/drawing/2010/main" val="0"/>
+              </a:ext>
+            </a:extLst>
+          </a:blip>
+          <a:stretch>
+            <a:fillRect/>
+          </a:stretch>
+        </p:blipFill>
+        <p:spPr>
+          <a:xfrm>
+            <a:off x="0" y="0"/>
+            <a:ext cx="12192000" cy="6858000"/>
+          </a:xfrm>
+          <a:prstGeom prst="rect">
+            <a:avLst/>
+          </a:prstGeom>
+        </p:spPr>
+      </p:pic>
+      <p:sp>
+        <p:nvSpPr>
+          <p:cNvPr id="2" name="Title 1">
+            <a:extLst>
+              <a:ext uri="{FF2B5EF4-FFF2-40B4-BE49-F238E27FC236}">
+                <a16:creationId xmlns:a16="http://schemas.microsoft.com/office/drawing/2014/main" id="{687ADE80-F348-E140-8D55-80B73BF7861C}"/>
+              </a:ext>
+            </a:extLst>
+          </p:cNvPr>
+          <p:cNvSpPr>
+            <a:spLocks noGrp="1"/>
+          </p:cNvSpPr>
+          <p:nvPr>
+            <p:ph type="title"/>
+          </p:nvPr>
+        </p:nvSpPr>
+        <p:spPr>
+          <a:xfrm>
+            <a:off x="640079" y="2053641"/>
+            <a:ext cx="3669161" cy="2760098"/>
+          </a:xfrm>
+        </p:spPr>
+        <p:txBody>
+          <a:bodyPr>
+            <a:normAutofit/>
+          </a:bodyPr>
+          <a:lstStyle/>
+          <a:p>
+            <a:r>
+              <a:rPr lang="en-US" dirty="0">
+                <a:solidFill>
+                  <a:srgbClr val="FFFFFF"/>
+                </a:solidFill>
+              </a:rPr>
+              <a:t>Spark Architecture</a:t>
+            </a:r>
+          </a:p>
+        </p:txBody>
+      </p:sp>
+      <p:sp>
+        <p:nvSpPr>
+          <p:cNvPr id="3" name="Content Placeholder 2">
+            <a:extLst>
+              <a:ext uri="{FF2B5EF4-FFF2-40B4-BE49-F238E27FC236}">
+                <a16:creationId xmlns:a16="http://schemas.microsoft.com/office/drawing/2014/main" id="{F6D74709-57F7-9543-AA23-7354BE709B32}"/>
+              </a:ext>
+            </a:extLst>
+          </p:cNvPr>
+          <p:cNvSpPr>
+            <a:spLocks noGrp="1"/>
+          </p:cNvSpPr>
+          <p:nvPr>
+            <p:ph idx="1"/>
+          </p:nvPr>
+        </p:nvSpPr>
+        <p:spPr>
+          <a:xfrm>
+            <a:off x="6090574" y="801866"/>
+            <a:ext cx="5306084" cy="5230634"/>
+          </a:xfrm>
+        </p:spPr>
+        <p:txBody>
+          <a:bodyPr anchor="ctr">
+            <a:normAutofit/>
+          </a:bodyPr>
+          <a:lstStyle/>
+          <a:p>
+            <a:r>
+              <a:rPr lang="en-US" sz="2400">
+                <a:solidFill>
+                  <a:srgbClr val="000000"/>
+                </a:solidFill>
+              </a:rPr>
+              <a:t>An</a:t>
+            </a:r>
+            <a:r>
+              <a:rPr lang="en-US" sz="2400" b="1">
+                <a:solidFill>
+                  <a:srgbClr val="000000"/>
+                </a:solidFill>
+              </a:rPr>
+              <a:t> executor </a:t>
+            </a:r>
+            <a:r>
+              <a:rPr lang="en-US" sz="2400">
+                <a:solidFill>
+                  <a:srgbClr val="000000"/>
+                </a:solidFill>
+              </a:rPr>
+              <a:t>is a distributed agent that is responsible for executing tasks</a:t>
+            </a:r>
+          </a:p>
+          <a:p>
+            <a:r>
+              <a:rPr lang="en-US" sz="2400">
+                <a:solidFill>
+                  <a:srgbClr val="000000"/>
+                </a:solidFill>
+              </a:rPr>
+              <a:t>A </a:t>
+            </a:r>
+            <a:r>
+              <a:rPr lang="en-US" sz="2400" b="1">
+                <a:solidFill>
+                  <a:srgbClr val="000000"/>
+                </a:solidFill>
+              </a:rPr>
+              <a:t>master</a:t>
+            </a:r>
+            <a:r>
+              <a:rPr lang="en-US" sz="2400">
+                <a:solidFill>
+                  <a:srgbClr val="000000"/>
+                </a:solidFill>
+              </a:rPr>
+              <a:t> is a running Spark instance that connects to a cluster manager for resources.</a:t>
+            </a:r>
+          </a:p>
+          <a:p>
+            <a:r>
+              <a:rPr lang="en-US" sz="2400" b="1">
+                <a:solidFill>
+                  <a:srgbClr val="000000"/>
+                </a:solidFill>
+              </a:rPr>
+              <a:t>Workers </a:t>
+            </a:r>
+            <a:r>
+              <a:rPr lang="en-US" sz="2400">
+                <a:solidFill>
+                  <a:srgbClr val="000000"/>
+                </a:solidFill>
+              </a:rPr>
+              <a:t>are running Spark instances where executors live to execute tasks. They are the compute nodes in Spark.</a:t>
+            </a:r>
+          </a:p>
+          <a:p>
+            <a:r>
+              <a:rPr lang="en-US" sz="2400">
+                <a:solidFill>
+                  <a:srgbClr val="000000"/>
+                </a:solidFill>
+              </a:rPr>
+              <a:t>Every Spark application starts by creating </a:t>
+            </a:r>
+            <a:r>
+              <a:rPr lang="en-US" sz="2400" b="1">
+                <a:solidFill>
+                  <a:srgbClr val="000000"/>
+                </a:solidFill>
+              </a:rPr>
+              <a:t>SparkContext</a:t>
+            </a:r>
+          </a:p>
+          <a:p>
+            <a:r>
+              <a:rPr lang="en-US" sz="2400" b="1">
+                <a:solidFill>
+                  <a:srgbClr val="000000"/>
+                </a:solidFill>
+              </a:rPr>
+              <a:t>SparkConf  </a:t>
+            </a:r>
+            <a:r>
+              <a:rPr lang="en-US" sz="2400">
+                <a:solidFill>
+                  <a:srgbClr val="000000"/>
+                </a:solidFill>
+              </a:rPr>
+              <a:t>is the Spark Configuration</a:t>
+            </a:r>
+            <a:endParaRPr lang="en-US" sz="2400" b="1">
+              <a:solidFill>
+                <a:srgbClr val="000000"/>
+              </a:solidFill>
+            </a:endParaRPr>
+          </a:p>
+          <a:p>
+            <a:endParaRPr lang="en-US" sz="2400">
+              <a:solidFill>
+                <a:srgbClr val="000000"/>
+              </a:solidFill>
+            </a:endParaRPr>
+          </a:p>
+          <a:p>
+            <a:endParaRPr lang="en-US" sz="2400" b="1">
+              <a:solidFill>
+                <a:srgbClr val="000000"/>
+              </a:solidFill>
+            </a:endParaRPr>
+          </a:p>
+          <a:p>
+            <a:pPr marL="0" indent="0">
+              <a:buNone/>
+            </a:pPr>
+            <a:endParaRPr lang="en-US" sz="2400">
+              <a:solidFill>
+                <a:srgbClr val="000000"/>
+              </a:solidFill>
+            </a:endParaRPr>
+          </a:p>
+        </p:txBody>
+      </p:sp>
+    </p:spTree>
+    <p:extLst>
+      <p:ext uri="{BB962C8B-B14F-4D97-AF65-F5344CB8AC3E}">
+        <p14:creationId xmlns:p14="http://schemas.microsoft.com/office/powerpoint/2010/main" val="21448242"/>
+      </p:ext>
+    </p:extLst>
+  </p:cSld>
+  <p:clrMapOvr>
+    <a:masterClrMapping/>
+  </p:clrMapOvr>
+</p:sld>
+</file>
+
+<file path=ppt/slides/slide5.xml><?xml version="1.0" encoding="utf-8"?>
+<p:sld xmlns:a="http://schemas.openxmlformats.org/drawingml/2006/main" xmlns:r="http://schemas.openxmlformats.org/officeDocument/2006/relationships" xmlns:p="http://schemas.openxmlformats.org/presentationml/2006/main">
+  <p:cSld>
+    <p:bg>
+      <p:bgPr>
+        <a:solidFill>
+          <a:schemeClr val="bg1"/>
+        </a:solidFill>
+        <a:effectLst/>
+      </p:bgPr>
+    </p:bg>
+    <p:spTree>
+      <p:nvGrpSpPr>
+        <p:cNvPr id="1" name=""/>
+        <p:cNvGrpSpPr/>
+        <p:nvPr/>
+      </p:nvGrpSpPr>
+      <p:grpSpPr>
+        <a:xfrm>
+          <a:off x="0" y="0"/>
+          <a:ext cx="0" cy="0"/>
+          <a:chOff x="0" y="0"/>
+          <a:chExt cx="0" cy="0"/>
+        </a:xfrm>
+      </p:grpSpPr>
+      <p:sp>
+        <p:nvSpPr>
+          <p:cNvPr id="2" name="Title 1">
+            <a:extLst>
+              <a:ext uri="{FF2B5EF4-FFF2-40B4-BE49-F238E27FC236}">
+                <a16:creationId xmlns:a16="http://schemas.microsoft.com/office/drawing/2014/main" id="{6C65FBE0-A442-B942-A6E8-5102F864A361}"/>
+              </a:ext>
+            </a:extLst>
+          </p:cNvPr>
+          <p:cNvSpPr>
+            <a:spLocks noGrp="1"/>
+          </p:cNvSpPr>
+          <p:nvPr>
+            <p:ph type="title"/>
+          </p:nvPr>
+        </p:nvSpPr>
+        <p:spPr>
+          <a:xfrm>
+            <a:off x="640080" y="2074363"/>
+            <a:ext cx="2752354" cy="2709275"/>
+          </a:xfrm>
+          <a:prstGeom prst="ellipse">
+            <a:avLst/>
+          </a:prstGeom>
+          <a:solidFill>
+            <a:srgbClr val="262626"/>
+          </a:solidFill>
+          <a:ln w="174625" cmpd="thinThick">
+            <a:solidFill>
+              <a:srgbClr val="262626"/>
+            </a:solidFill>
+          </a:ln>
+        </p:spPr>
+        <p:txBody>
+          <a:bodyPr vert="horz" lIns="91440" tIns="45720" rIns="91440" bIns="45720" rtlCol="0" anchor="ctr">
+            <a:normAutofit/>
+          </a:bodyPr>
+          <a:lstStyle/>
+          <a:p>
+            <a:pPr algn="ctr"/>
+            <a:r>
+              <a:rPr lang="en-US" sz="2200" b="1" kern="1200">
+                <a:solidFill>
+                  <a:srgbClr val="FFFFFF"/>
+                </a:solidFill>
+                <a:latin typeface="+mj-lt"/>
+                <a:ea typeface="+mj-ea"/>
+                <a:cs typeface="+mj-cs"/>
+              </a:rPr>
+              <a:t>SparkContext — Entry Point to Spark Core</a:t>
+            </a:r>
+            <a:br>
+              <a:rPr lang="en-US" sz="2200" b="1" kern="1200">
+                <a:solidFill>
+                  <a:srgbClr val="FFFFFF"/>
+                </a:solidFill>
+                <a:latin typeface="+mj-lt"/>
+                <a:ea typeface="+mj-ea"/>
+                <a:cs typeface="+mj-cs"/>
+              </a:rPr>
+            </a:br>
+            <a:endParaRPr lang="en-US" sz="2200" kern="1200">
+              <a:solidFill>
+                <a:srgbClr val="FFFFFF"/>
+              </a:solidFill>
+              <a:latin typeface="+mj-lt"/>
+              <a:ea typeface="+mj-ea"/>
+              <a:cs typeface="+mj-cs"/>
+            </a:endParaRPr>
+          </a:p>
+        </p:txBody>
+      </p:sp>
+      <p:pic>
+        <p:nvPicPr>
+          <p:cNvPr id="6" name="Content Placeholder 5" descr="A screenshot of a cell phone&#10;&#10;Description automatically generated">
+            <a:extLst>
+              <a:ext uri="{FF2B5EF4-FFF2-40B4-BE49-F238E27FC236}">
+                <a16:creationId xmlns:a16="http://schemas.microsoft.com/office/drawing/2014/main" id="{423AA778-06BA-C64B-A0F8-F171BE62E588}"/>
+              </a:ext>
+            </a:extLst>
+          </p:cNvPr>
+          <p:cNvPicPr>
+            <a:picLocks noGrp="1" noChangeAspect="1"/>
+          </p:cNvPicPr>
+          <p:nvPr>
+            <p:ph idx="1"/>
+          </p:nvPr>
+        </p:nvPicPr>
+        <p:blipFill>
+          <a:blip r:embed="rId2"/>
+          <a:stretch>
+            <a:fillRect/>
+          </a:stretch>
+        </p:blipFill>
+        <p:spPr>
+          <a:xfrm>
+            <a:off x="4038600" y="1252876"/>
+            <a:ext cx="7188199" cy="4348859"/>
+          </a:xfrm>
+          <a:prstGeom prst="rect">
+            <a:avLst/>
+          </a:prstGeom>
+        </p:spPr>
+      </p:pic>
+    </p:spTree>
+    <p:extLst>
+      <p:ext uri="{BB962C8B-B14F-4D97-AF65-F5344CB8AC3E}">
+        <p14:creationId xmlns:p14="http://schemas.microsoft.com/office/powerpoint/2010/main" val="4212931965"/>
       </p:ext>
     </p:extLst>
   </p:cSld>

--- a/spark/01-Architecture/00-Architecture.pptx
+++ b/spark/01-Architecture/00-Architecture.pptx
@@ -10,6 +10,7 @@
     <p:sldId id="259" r:id="rId4"/>
     <p:sldId id="260" r:id="rId5"/>
     <p:sldId id="262" r:id="rId6"/>
+    <p:sldId id="263" r:id="rId7"/>
   </p:sldIdLst>
   <p:sldSz cx="12192000" cy="6858000"/>
   <p:notesSz cx="6858000" cy="9144000"/>
@@ -4493,6 +4494,256 @@
 </p:sld>
 </file>
 
+<file path=ppt/slides/slide6.xml><?xml version="1.0" encoding="utf-8"?>
+<p:sld xmlns:a="http://schemas.openxmlformats.org/drawingml/2006/main" xmlns:r="http://schemas.openxmlformats.org/officeDocument/2006/relationships" xmlns:p="http://schemas.openxmlformats.org/presentationml/2006/main">
+  <p:cSld>
+    <p:bg>
+      <p:bgPr>
+        <a:solidFill>
+          <a:schemeClr val="bg1"/>
+        </a:solidFill>
+        <a:effectLst/>
+      </p:bgPr>
+    </p:bg>
+    <p:spTree>
+      <p:nvGrpSpPr>
+        <p:cNvPr id="1" name=""/>
+        <p:cNvGrpSpPr/>
+        <p:nvPr/>
+      </p:nvGrpSpPr>
+      <p:grpSpPr>
+        <a:xfrm>
+          <a:off x="0" y="0"/>
+          <a:ext cx="0" cy="0"/>
+          <a:chOff x="0" y="0"/>
+          <a:chExt cx="0" cy="0"/>
+        </a:xfrm>
+      </p:grpSpPr>
+      <p:sp>
+        <p:nvSpPr>
+          <p:cNvPr id="14" name="Rectangle 13">
+            <a:extLst>
+              <a:ext uri="{FF2B5EF4-FFF2-40B4-BE49-F238E27FC236}">
+                <a16:creationId xmlns:a16="http://schemas.microsoft.com/office/drawing/2014/main" id="{6753252F-4873-4F63-801D-CC719279A7D5}"/>
+              </a:ext>
+              <a:ext uri="{C183D7F6-B498-43B3-948B-1728B52AA6E4}">
+                <adec:decorative xmlns:adec="http://schemas.microsoft.com/office/drawing/2017/decorative" val="1"/>
+              </a:ext>
+            </a:extLst>
+          </p:cNvPr>
+          <p:cNvSpPr>
+            <a:spLocks noGrp="1" noRot="1" noChangeAspect="1" noMove="1" noResize="1" noEditPoints="1" noAdjustHandles="1" noChangeArrowheads="1" noChangeShapeType="1" noTextEdit="1"/>
+          </p:cNvSpPr>
+          <p:nvPr>
+            <p:extLst>
+              <p:ext uri="{386F3935-93C4-4BCD-93E2-E3B085C9AB24}">
+                <p16:designElem xmlns:p16="http://schemas.microsoft.com/office/powerpoint/2015/main" val="1"/>
+              </p:ext>
+            </p:extLst>
+          </p:nvPr>
+        </p:nvSpPr>
+        <p:spPr>
+          <a:xfrm>
+            <a:off x="0" y="0"/>
+            <a:ext cx="12192000" cy="6858000"/>
+          </a:xfrm>
+          <a:prstGeom prst="rect">
+            <a:avLst/>
+          </a:prstGeom>
+          <a:solidFill>
+            <a:srgbClr val="FFFFFF"/>
+          </a:solidFill>
+          <a:ln>
+            <a:noFill/>
+          </a:ln>
+        </p:spPr>
+        <p:style>
+          <a:lnRef idx="2">
+            <a:schemeClr val="accent1">
+              <a:shade val="50000"/>
+            </a:schemeClr>
+          </a:lnRef>
+          <a:fillRef idx="1">
+            <a:schemeClr val="accent1"/>
+          </a:fillRef>
+          <a:effectRef idx="0">
+            <a:schemeClr val="accent1"/>
+          </a:effectRef>
+          <a:fontRef idx="minor">
+            <a:schemeClr val="lt1"/>
+          </a:fontRef>
+        </p:style>
+        <p:txBody>
+          <a:bodyPr rtlCol="0" anchor="ctr"/>
+          <a:lstStyle/>
+          <a:p>
+            <a:pPr algn="ctr"/>
+            <a:endParaRPr lang="en-US"/>
+          </a:p>
+        </p:txBody>
+      </p:sp>
+      <p:sp>
+        <p:nvSpPr>
+          <p:cNvPr id="16" name="Rectangle 15">
+            <a:extLst>
+              <a:ext uri="{FF2B5EF4-FFF2-40B4-BE49-F238E27FC236}">
+                <a16:creationId xmlns:a16="http://schemas.microsoft.com/office/drawing/2014/main" id="{047C8CCB-F95D-4249-92DD-651249D3535A}"/>
+              </a:ext>
+              <a:ext uri="{C183D7F6-B498-43B3-948B-1728B52AA6E4}">
+                <adec:decorative xmlns:adec="http://schemas.microsoft.com/office/drawing/2017/decorative" val="1"/>
+              </a:ext>
+            </a:extLst>
+          </p:cNvPr>
+          <p:cNvSpPr>
+            <a:spLocks noGrp="1" noRot="1" noChangeAspect="1" noMove="1" noResize="1" noEditPoints="1" noAdjustHandles="1" noChangeArrowheads="1" noChangeShapeType="1" noTextEdit="1"/>
+          </p:cNvSpPr>
+          <p:nvPr>
+            <p:extLst>
+              <p:ext uri="{386F3935-93C4-4BCD-93E2-E3B085C9AB24}">
+                <p16:designElem xmlns:p16="http://schemas.microsoft.com/office/powerpoint/2015/main" val="1"/>
+              </p:ext>
+            </p:extLst>
+          </p:nvPr>
+        </p:nvSpPr>
+        <p:spPr>
+          <a:xfrm>
+            <a:off x="0" y="0"/>
+            <a:ext cx="2013557" cy="6858000"/>
+          </a:xfrm>
+          <a:prstGeom prst="rect">
+            <a:avLst/>
+          </a:prstGeom>
+          <a:solidFill>
+            <a:srgbClr val="7F7F7F"/>
+          </a:solidFill>
+          <a:ln>
+            <a:noFill/>
+          </a:ln>
+        </p:spPr>
+        <p:style>
+          <a:lnRef idx="2">
+            <a:schemeClr val="accent1">
+              <a:shade val="50000"/>
+            </a:schemeClr>
+          </a:lnRef>
+          <a:fillRef idx="1">
+            <a:schemeClr val="accent1"/>
+          </a:fillRef>
+          <a:effectRef idx="0">
+            <a:schemeClr val="accent1"/>
+          </a:effectRef>
+          <a:fontRef idx="minor">
+            <a:schemeClr val="lt1"/>
+          </a:fontRef>
+        </p:style>
+        <p:txBody>
+          <a:bodyPr rtlCol="0" anchor="ctr"/>
+          <a:lstStyle/>
+          <a:p>
+            <a:pPr algn="ctr"/>
+            <a:endParaRPr lang="en-US"/>
+          </a:p>
+        </p:txBody>
+      </p:sp>
+      <p:sp>
+        <p:nvSpPr>
+          <p:cNvPr id="2" name="Title 1">
+            <a:extLst>
+              <a:ext uri="{FF2B5EF4-FFF2-40B4-BE49-F238E27FC236}">
+                <a16:creationId xmlns:a16="http://schemas.microsoft.com/office/drawing/2014/main" id="{FEC8AA30-5D8F-374D-A096-622EDE9D9CBA}"/>
+              </a:ext>
+            </a:extLst>
+          </p:cNvPr>
+          <p:cNvSpPr>
+            <a:spLocks noGrp="1"/>
+          </p:cNvSpPr>
+          <p:nvPr>
+            <p:ph type="title"/>
+          </p:nvPr>
+        </p:nvSpPr>
+        <p:spPr>
+          <a:xfrm>
+            <a:off x="640080" y="2074363"/>
+            <a:ext cx="2752354" cy="2709275"/>
+          </a:xfrm>
+          <a:prstGeom prst="ellipse">
+            <a:avLst/>
+          </a:prstGeom>
+          <a:solidFill>
+            <a:srgbClr val="262626"/>
+          </a:solidFill>
+          <a:ln w="174625" cmpd="thinThick">
+            <a:solidFill>
+              <a:srgbClr val="262626"/>
+            </a:solidFill>
+          </a:ln>
+        </p:spPr>
+        <p:txBody>
+          <a:bodyPr vert="horz" lIns="91440" tIns="45720" rIns="91440" bIns="45720" rtlCol="0" anchor="ctr">
+            <a:normAutofit/>
+          </a:bodyPr>
+          <a:lstStyle/>
+          <a:p>
+            <a:pPr algn="ctr"/>
+            <a:r>
+              <a:rPr lang="en-US" sz="2600" kern="1200">
+                <a:solidFill>
+                  <a:srgbClr val="FFFFFF"/>
+                </a:solidFill>
+                <a:latin typeface="+mj-lt"/>
+                <a:ea typeface="+mj-ea"/>
+                <a:cs typeface="+mj-cs"/>
+              </a:rPr>
+              <a:t>Summary Architecture</a:t>
+            </a:r>
+          </a:p>
+        </p:txBody>
+      </p:sp>
+      <p:pic>
+        <p:nvPicPr>
+          <p:cNvPr id="9" name="Content Placeholder 8">
+            <a:extLst>
+              <a:ext uri="{FF2B5EF4-FFF2-40B4-BE49-F238E27FC236}">
+                <a16:creationId xmlns:a16="http://schemas.microsoft.com/office/drawing/2014/main" id="{C7DB08B7-6A56-844E-8432-D2D95F70811B}"/>
+              </a:ext>
+            </a:extLst>
+          </p:cNvPr>
+          <p:cNvPicPr>
+            <a:picLocks noGrp="1" noChangeAspect="1"/>
+          </p:cNvPicPr>
+          <p:nvPr>
+            <p:ph idx="1"/>
+          </p:nvPr>
+        </p:nvPicPr>
+        <p:blipFill>
+          <a:blip r:embed="rId2"/>
+          <a:stretch>
+            <a:fillRect/>
+          </a:stretch>
+        </p:blipFill>
+        <p:spPr>
+          <a:xfrm>
+            <a:off x="4038600" y="1702138"/>
+            <a:ext cx="7188199" cy="3450335"/>
+          </a:xfrm>
+          <a:prstGeom prst="rect">
+            <a:avLst/>
+          </a:prstGeom>
+        </p:spPr>
+      </p:pic>
+    </p:spTree>
+    <p:extLst>
+      <p:ext uri="{BB962C8B-B14F-4D97-AF65-F5344CB8AC3E}">
+        <p14:creationId xmlns:p14="http://schemas.microsoft.com/office/powerpoint/2010/main" val="3214036278"/>
+      </p:ext>
+    </p:extLst>
+  </p:cSld>
+  <p:clrMapOvr>
+    <a:masterClrMapping/>
+  </p:clrMapOvr>
+</p:sld>
+</file>
+
 <file path=ppt/theme/theme1.xml><?xml version="1.0" encoding="utf-8"?>
 <a:theme xmlns:a="http://schemas.openxmlformats.org/drawingml/2006/main" name="Office Theme">
   <a:themeElements>
